--- a/pre/javapoet.pptx
+++ b/pre/javapoet.pptx
@@ -12,17 +12,16 @@
     <p:sldId id="381" r:id="rId4"/>
     <p:sldId id="561" r:id="rId5"/>
     <p:sldId id="562" r:id="rId6"/>
-    <p:sldId id="604" r:id="rId8"/>
-    <p:sldId id="563" r:id="rId9"/>
-    <p:sldId id="720" r:id="rId10"/>
-    <p:sldId id="619" r:id="rId11"/>
+    <p:sldId id="563" r:id="rId8"/>
+    <p:sldId id="720" r:id="rId9"/>
+    <p:sldId id="619" r:id="rId10"/>
+    <p:sldId id="721" r:id="rId11"/>
     <p:sldId id="719" r:id="rId12"/>
     <p:sldId id="718" r:id="rId13"/>
-    <p:sldId id="721" r:id="rId14"/>
-    <p:sldId id="717" r:id="rId15"/>
-    <p:sldId id="715" r:id="rId16"/>
-    <p:sldId id="716" r:id="rId17"/>
-    <p:sldId id="350" r:id="rId18"/>
+    <p:sldId id="717" r:id="rId14"/>
+    <p:sldId id="715" r:id="rId15"/>
+    <p:sldId id="716" r:id="rId16"/>
+    <p:sldId id="350" r:id="rId17"/>
   </p:sldIdLst>
   <p:sldSz cx="12192000" cy="6858000"/>
   <p:notesSz cx="6858000" cy="9144000"/>
@@ -4715,7 +4714,27 @@
                 <a:latin typeface="等线" panose="02010600030101010101" charset="-122"/>
                 <a:ea typeface="宋体" panose="02010600030101010101" pitchFamily="2" charset="-122"/>
               </a:rPr>
-              <a:t>hook源码实现阿里无闪烁换肤</a:t>
+              <a:t>手写</a:t>
+            </a:r>
+            <a:r>
+              <a:rPr lang="en-US" altLang="zh-CN" sz="3200" dirty="0" smtClean="0">
+                <a:solidFill>
+                  <a:srgbClr val="FF0000"/>
+                </a:solidFill>
+                <a:latin typeface="等线" panose="02010600030101010101" charset="-122"/>
+                <a:ea typeface="宋体" panose="02010600030101010101" pitchFamily="2" charset="-122"/>
+              </a:rPr>
+              <a:t>butterknife</a:t>
+            </a:r>
+            <a:r>
+              <a:rPr lang="zh-CN" altLang="en-US" sz="3200" dirty="0" smtClean="0">
+                <a:solidFill>
+                  <a:srgbClr val="FF0000"/>
+                </a:solidFill>
+                <a:latin typeface="等线" panose="02010600030101010101" charset="-122"/>
+                <a:ea typeface="宋体" panose="02010600030101010101" pitchFamily="2" charset="-122"/>
+              </a:rPr>
+              <a:t>框架</a:t>
             </a:r>
             <a:endParaRPr lang="zh-CN" altLang="en-US" sz="3200" dirty="0" smtClean="0">
               <a:solidFill>
@@ -5939,7 +5958,7 @@
                 </a:solidFill>
                 <a:effectLst/>
               </a:rPr>
-              <a:t>20:05</a:t>
+              <a:t>15:35</a:t>
             </a:r>
             <a:r>
               <a:rPr lang="zh-CN" altLang="en-US">
@@ -6298,756 +6317,6 @@
 </file>
 
 <file path=ppt/slides/slide10.xml><?xml version="1.0" encoding="utf-8"?>
-<p:sld xmlns:a="http://schemas.openxmlformats.org/drawingml/2006/main" xmlns:r="http://schemas.openxmlformats.org/officeDocument/2006/relationships" xmlns:p="http://schemas.openxmlformats.org/presentationml/2006/main">
-  <p:cSld>
-    <p:spTree>
-      <p:nvGrpSpPr>
-        <p:cNvPr id="1" name=""/>
-        <p:cNvGrpSpPr/>
-        <p:nvPr/>
-      </p:nvGrpSpPr>
-      <p:grpSpPr>
-        <a:xfrm>
-          <a:off x="0" y="0"/>
-          <a:ext cx="0" cy="0"/>
-          <a:chOff x="0" y="0"/>
-          <a:chExt cx="0" cy="0"/>
-        </a:xfrm>
-      </p:grpSpPr>
-      <p:grpSp>
-        <p:nvGrpSpPr>
-          <p:cNvPr id="2" name="PA_组合 47"/>
-          <p:cNvGrpSpPr/>
-          <p:nvPr>
-            <p:custDataLst>
-              <p:tags r:id="rId1"/>
-            </p:custDataLst>
-          </p:nvPr>
-        </p:nvGrpSpPr>
-        <p:grpSpPr>
-          <a:xfrm>
-            <a:off x="554877" y="932724"/>
-            <a:ext cx="1199456" cy="74689"/>
-            <a:chOff x="0" y="2842590"/>
-            <a:chExt cx="7054752" cy="89199"/>
-          </a:xfrm>
-        </p:grpSpPr>
-        <p:sp>
-          <p:nvSpPr>
-            <p:cNvPr id="49" name="矩形 48"/>
-            <p:cNvSpPr/>
-            <p:nvPr/>
-          </p:nvSpPr>
-          <p:spPr>
-            <a:xfrm>
-              <a:off x="0" y="2842590"/>
-              <a:ext cx="1763688" cy="89199"/>
-            </a:xfrm>
-            <a:prstGeom prst="rect">
-              <a:avLst/>
-            </a:prstGeom>
-            <a:solidFill>
-              <a:schemeClr val="accent1"/>
-            </a:solidFill>
-            <a:ln>
-              <a:noFill/>
-            </a:ln>
-          </p:spPr>
-          <p:style>
-            <a:lnRef idx="2">
-              <a:schemeClr val="accent1">
-                <a:shade val="50000"/>
-              </a:schemeClr>
-            </a:lnRef>
-            <a:fillRef idx="1">
-              <a:schemeClr val="accent1"/>
-            </a:fillRef>
-            <a:effectRef idx="0">
-              <a:schemeClr val="accent1"/>
-            </a:effectRef>
-            <a:fontRef idx="minor">
-              <a:schemeClr val="lt1"/>
-            </a:fontRef>
-          </p:style>
-          <p:txBody>
-            <a:bodyPr rtlCol="0" anchor="ctr"/>
-            <a:lstStyle/>
-            <a:p>
-              <a:pPr algn="ctr" defTabSz="1218565"/>
-              <a:endParaRPr lang="zh-CN" altLang="en-US" sz="2400">
-                <a:solidFill>
-                  <a:srgbClr val="FFFFFF"/>
-                </a:solidFill>
-                <a:latin typeface="Calibri" panose="020F0502020204030204"/>
-                <a:ea typeface="宋体" panose="02010600030101010101" pitchFamily="2" charset="-122"/>
-              </a:endParaRPr>
-            </a:p>
-          </p:txBody>
-        </p:sp>
-        <p:sp>
-          <p:nvSpPr>
-            <p:cNvPr id="50" name="矩形 49"/>
-            <p:cNvSpPr/>
-            <p:nvPr/>
-          </p:nvSpPr>
-          <p:spPr>
-            <a:xfrm>
-              <a:off x="1763688" y="2842590"/>
-              <a:ext cx="1763688" cy="89199"/>
-            </a:xfrm>
-            <a:prstGeom prst="rect">
-              <a:avLst/>
-            </a:prstGeom>
-            <a:solidFill>
-              <a:schemeClr val="accent2"/>
-            </a:solidFill>
-            <a:ln>
-              <a:noFill/>
-            </a:ln>
-          </p:spPr>
-          <p:style>
-            <a:lnRef idx="2">
-              <a:schemeClr val="accent1">
-                <a:shade val="50000"/>
-              </a:schemeClr>
-            </a:lnRef>
-            <a:fillRef idx="1">
-              <a:schemeClr val="accent1"/>
-            </a:fillRef>
-            <a:effectRef idx="0">
-              <a:schemeClr val="accent1"/>
-            </a:effectRef>
-            <a:fontRef idx="minor">
-              <a:schemeClr val="lt1"/>
-            </a:fontRef>
-          </p:style>
-          <p:txBody>
-            <a:bodyPr rtlCol="0" anchor="ctr"/>
-            <a:lstStyle/>
-            <a:p>
-              <a:pPr algn="ctr" defTabSz="1218565"/>
-              <a:endParaRPr lang="zh-CN" altLang="en-US" sz="2400">
-                <a:solidFill>
-                  <a:srgbClr val="FFFFFF"/>
-                </a:solidFill>
-                <a:latin typeface="Calibri" panose="020F0502020204030204"/>
-                <a:ea typeface="宋体" panose="02010600030101010101" pitchFamily="2" charset="-122"/>
-              </a:endParaRPr>
-            </a:p>
-          </p:txBody>
-        </p:sp>
-        <p:sp>
-          <p:nvSpPr>
-            <p:cNvPr id="51" name="矩形 50"/>
-            <p:cNvSpPr/>
-            <p:nvPr/>
-          </p:nvSpPr>
-          <p:spPr>
-            <a:xfrm>
-              <a:off x="3527376" y="2842590"/>
-              <a:ext cx="1763688" cy="89199"/>
-            </a:xfrm>
-            <a:prstGeom prst="rect">
-              <a:avLst/>
-            </a:prstGeom>
-            <a:solidFill>
-              <a:schemeClr val="accent3"/>
-            </a:solidFill>
-            <a:ln>
-              <a:noFill/>
-            </a:ln>
-          </p:spPr>
-          <p:style>
-            <a:lnRef idx="2">
-              <a:schemeClr val="accent1">
-                <a:shade val="50000"/>
-              </a:schemeClr>
-            </a:lnRef>
-            <a:fillRef idx="1">
-              <a:schemeClr val="accent1"/>
-            </a:fillRef>
-            <a:effectRef idx="0">
-              <a:schemeClr val="accent1"/>
-            </a:effectRef>
-            <a:fontRef idx="minor">
-              <a:schemeClr val="lt1"/>
-            </a:fontRef>
-          </p:style>
-          <p:txBody>
-            <a:bodyPr rtlCol="0" anchor="ctr"/>
-            <a:lstStyle/>
-            <a:p>
-              <a:pPr algn="ctr" defTabSz="1218565"/>
-              <a:endParaRPr lang="zh-CN" altLang="en-US" sz="2400">
-                <a:solidFill>
-                  <a:srgbClr val="FFFFFF"/>
-                </a:solidFill>
-                <a:latin typeface="Calibri" panose="020F0502020204030204"/>
-                <a:ea typeface="宋体" panose="02010600030101010101" pitchFamily="2" charset="-122"/>
-              </a:endParaRPr>
-            </a:p>
-          </p:txBody>
-        </p:sp>
-        <p:sp>
-          <p:nvSpPr>
-            <p:cNvPr id="52" name="矩形 51"/>
-            <p:cNvSpPr/>
-            <p:nvPr/>
-          </p:nvSpPr>
-          <p:spPr>
-            <a:xfrm>
-              <a:off x="5291064" y="2842590"/>
-              <a:ext cx="1763688" cy="89199"/>
-            </a:xfrm>
-            <a:prstGeom prst="rect">
-              <a:avLst/>
-            </a:prstGeom>
-            <a:solidFill>
-              <a:schemeClr val="accent4"/>
-            </a:solidFill>
-            <a:ln>
-              <a:noFill/>
-            </a:ln>
-          </p:spPr>
-          <p:style>
-            <a:lnRef idx="2">
-              <a:schemeClr val="accent1">
-                <a:shade val="50000"/>
-              </a:schemeClr>
-            </a:lnRef>
-            <a:fillRef idx="1">
-              <a:schemeClr val="accent1"/>
-            </a:fillRef>
-            <a:effectRef idx="0">
-              <a:schemeClr val="accent1"/>
-            </a:effectRef>
-            <a:fontRef idx="minor">
-              <a:schemeClr val="lt1"/>
-            </a:fontRef>
-          </p:style>
-          <p:txBody>
-            <a:bodyPr rtlCol="0" anchor="ctr"/>
-            <a:lstStyle/>
-            <a:p>
-              <a:pPr algn="ctr" defTabSz="1218565"/>
-              <a:endParaRPr lang="zh-CN" altLang="en-US" sz="2400">
-                <a:solidFill>
-                  <a:srgbClr val="FFFFFF"/>
-                </a:solidFill>
-                <a:latin typeface="Calibri" panose="020F0502020204030204"/>
-                <a:ea typeface="宋体" panose="02010600030101010101" pitchFamily="2" charset="-122"/>
-              </a:endParaRPr>
-            </a:p>
-          </p:txBody>
-        </p:sp>
-      </p:grpSp>
-      <p:sp>
-        <p:nvSpPr>
-          <p:cNvPr id="13" name="PA_矩形 39"/>
-          <p:cNvSpPr>
-            <a:spLocks noChangeArrowheads="1"/>
-          </p:cNvSpPr>
-          <p:nvPr>
-            <p:custDataLst>
-              <p:tags r:id="rId2"/>
-            </p:custDataLst>
-          </p:nvPr>
-        </p:nvSpPr>
-        <p:spPr bwMode="auto">
-          <a:xfrm>
-            <a:off x="554990" y="370840"/>
-            <a:ext cx="6621780" cy="410210"/>
-          </a:xfrm>
-          <a:prstGeom prst="rect">
-            <a:avLst/>
-          </a:prstGeom>
-          <a:noFill/>
-          <a:ln>
-            <a:noFill/>
-          </a:ln>
-          <a:extLst>
-            <a:ext uri="{909E8E84-426E-40DD-AFC4-6F175D3DCCD1}">
-              <a14:hiddenFill xmlns:a14="http://schemas.microsoft.com/office/drawing/2010/main">
-                <a:solidFill>
-                  <a:srgbClr val="FFFFFF"/>
-                </a:solidFill>
-              </a14:hiddenFill>
-            </a:ext>
-            <a:ext uri="{91240B29-F687-4F45-9708-019B960494DF}">
-              <a14:hiddenLine xmlns:a14="http://schemas.microsoft.com/office/drawing/2010/main" w="9525">
-                <a:solidFill>
-                  <a:srgbClr val="000000"/>
-                </a:solidFill>
-                <a:miter lim="800000"/>
-                <a:headEnd/>
-                <a:tailEnd/>
-              </a14:hiddenLine>
-            </a:ext>
-          </a:extLst>
-        </p:spPr>
-        <p:txBody>
-          <a:bodyPr wrap="square" lIns="0" tIns="0" rIns="0" bIns="0">
-            <a:spAutoFit/>
-          </a:bodyPr>
-          <a:lstStyle/>
-          <a:p>
-            <a:pPr defTabSz="1218565"/>
-            <a:r>
-              <a:rPr lang="zh-CN" altLang="en-US" sz="2665" dirty="0" smtClean="0">
-                <a:solidFill>
-                  <a:srgbClr val="1D69A3"/>
-                </a:solidFill>
-                <a:latin typeface="微软雅黑" panose="020B0503020204020204" pitchFamily="34" charset="-122"/>
-                <a:ea typeface="微软雅黑" panose="020B0503020204020204" pitchFamily="34" charset="-122"/>
-              </a:rPr>
-              <a:t>代码中的元素结构</a:t>
-            </a:r>
-            <a:endParaRPr lang="zh-CN" altLang="en-US" sz="2665" dirty="0" smtClean="0">
-              <a:solidFill>
-                <a:srgbClr val="1D69A3"/>
-              </a:solidFill>
-              <a:latin typeface="微软雅黑" panose="020B0503020204020204" pitchFamily="34" charset="-122"/>
-              <a:ea typeface="微软雅黑" panose="020B0503020204020204" pitchFamily="34" charset="-122"/>
-            </a:endParaRPr>
-          </a:p>
-        </p:txBody>
-      </p:sp>
-      <p:cxnSp>
-        <p:nvCxnSpPr>
-          <p:cNvPr id="17" name="直接连接符 2"/>
-          <p:cNvCxnSpPr>
-            <a:cxnSpLocks noChangeShapeType="1"/>
-          </p:cNvCxnSpPr>
-          <p:nvPr/>
-        </p:nvCxnSpPr>
-        <p:spPr bwMode="auto">
-          <a:xfrm flipV="1">
-            <a:off x="-44609" y="1060219"/>
-            <a:ext cx="12188825" cy="50801"/>
-          </a:xfrm>
-          <a:prstGeom prst="line">
-            <a:avLst/>
-          </a:prstGeom>
-          <a:noFill/>
-          <a:ln w="9525" algn="ctr">
-            <a:solidFill>
-              <a:srgbClr val="00B0F0">
-                <a:alpha val="34117"/>
-              </a:srgbClr>
-            </a:solidFill>
-            <a:prstDash val="dash"/>
-            <a:round/>
-          </a:ln>
-        </p:spPr>
-      </p:cxnSp>
-      <p:pic>
-        <p:nvPicPr>
-          <p:cNvPr id="3" name="图片 2" descr="A%SJBI5U(7}KORS%G%~1TQ3"/>
-          <p:cNvPicPr>
-            <a:picLocks noChangeAspect="1"/>
-          </p:cNvPicPr>
-          <p:nvPr/>
-        </p:nvPicPr>
-        <p:blipFill>
-          <a:blip r:embed="rId3"/>
-          <a:stretch>
-            <a:fillRect/>
-          </a:stretch>
-        </p:blipFill>
-        <p:spPr>
-          <a:xfrm>
-            <a:off x="2411095" y="1630680"/>
-            <a:ext cx="7790180" cy="2419350"/>
-          </a:xfrm>
-          <a:prstGeom prst="rect">
-            <a:avLst/>
-          </a:prstGeom>
-        </p:spPr>
-      </p:pic>
-      <p:sp>
-        <p:nvSpPr>
-          <p:cNvPr id="4" name="文本框 3"/>
-          <p:cNvSpPr txBox="1"/>
-          <p:nvPr/>
-        </p:nvSpPr>
-        <p:spPr>
-          <a:xfrm>
-            <a:off x="2411095" y="4789170"/>
-            <a:ext cx="9007475" cy="645160"/>
-          </a:xfrm>
-          <a:prstGeom prst="rect">
-            <a:avLst/>
-          </a:prstGeom>
-          <a:noFill/>
-        </p:spPr>
-        <p:txBody>
-          <a:bodyPr wrap="square" rtlCol="0" anchor="t">
-            <a:spAutoFit/>
-          </a:bodyPr>
-          <a:p>
-            <a:r>
-              <a:rPr lang="en-US" altLang="zh-CN"/>
-              <a:t>API</a:t>
-            </a:r>
-            <a:r>
-              <a:rPr lang="zh-CN" altLang="en-US"/>
-              <a:t>文档地址：http://tool.oschina.net/uploads/apidocs/jdk-zh/javax/lang/model/element/Element.html</a:t>
-            </a:r>
-            <a:endParaRPr lang="zh-CN" altLang="en-US"/>
-          </a:p>
-        </p:txBody>
-      </p:sp>
-    </p:spTree>
-  </p:cSld>
-  <p:clrMapOvr>
-    <a:masterClrMapping/>
-  </p:clrMapOvr>
-  <mc:AlternateContent xmlns:mc="http://schemas.openxmlformats.org/markup-compatibility/2006">
-    <mc:Choice xmlns:p14="http://schemas.microsoft.com/office/powerpoint/2010/main" Requires="p14">
-      <p:transition spd="slow" p14:dur="1500">
-        <p:random/>
-      </p:transition>
-    </mc:Choice>
-    <mc:Fallback>
-      <p:transition spd="slow">
-        <p:random/>
-      </p:transition>
-    </mc:Fallback>
-  </mc:AlternateContent>
-  <p:timing>
-    <p:tnLst>
-      <p:par>
-        <p:cTn id="1" dur="indefinite" restart="never" nodeType="tmRoot">
-          <p:childTnLst>
-            <p:seq concurrent="1" nextAc="seek">
-              <p:cTn id="2" dur="indefinite" nodeType="mainSeq">
-                <p:childTnLst>
-                  <p:par>
-                    <p:cTn id="3" fill="hold">
-                      <p:stCondLst>
-                        <p:cond delay="indefinite"/>
-                        <p:cond evt="onBegin" delay="0">
-                          <p:tn val="2"/>
-                        </p:cond>
-                      </p:stCondLst>
-                      <p:childTnLst>
-                        <p:par>
-                          <p:cTn id="4" fill="hold">
-                            <p:stCondLst>
-                              <p:cond delay="0"/>
-                            </p:stCondLst>
-                            <p:childTnLst>
-                              <p:par>
-                                <p:cTn id="5" presetID="0" presetClass="entr" presetSubtype="0" fill="hold" nodeType="withEffect">
-                                  <p:stCondLst>
-                                    <p:cond delay="0"/>
-                                  </p:stCondLst>
-                                  <p:iterate type="lt">
-                                    <p:tmPct val="10000"/>
-                                  </p:iterate>
-                                  <p:childTnLst>
-                                    <p:set>
-                                      <p:cBhvr>
-                                        <p:cTn id="6" dur="1" fill="hold">
-                                          <p:stCondLst>
-                                            <p:cond delay="0"/>
-                                          </p:stCondLst>
-                                        </p:cTn>
-                                        <p:tgtEl>
-                                          <p:spTgt spid="2"/>
-                                        </p:tgtEl>
-                                        <p:attrNameLst>
-                                          <p:attrName>style.visibility</p:attrName>
-                                        </p:attrNameLst>
-                                      </p:cBhvr>
-                                      <p:to>
-                                        <p:strVal val="visible"/>
-                                      </p:to>
-                                    </p:set>
-                                    <p:anim to="" calcmode="lin" valueType="num">
-                                      <p:cBhvr>
-                                        <p:cTn id="7" dur="700" fill="hold">
-                                          <p:stCondLst>
-                                            <p:cond delay="0"/>
-                                          </p:stCondLst>
-                                        </p:cTn>
-                                        <p:tgtEl>
-                                          <p:spTgt spid="2"/>
-                                        </p:tgtEl>
-                                        <p:attrNameLst>
-                                          <p:attrName>ppt_x</p:attrName>
-                                        </p:attrNameLst>
-                                      </p:cBhvr>
-                                      <p:tavLst>
-                                        <p:tav tm="0" fmla="#ppt_x-(-#ppt_w/2*cos(ppt_r/180*pi))*((1.5-1.5*$)^2-(1.5-1.5*$)^3)">
-                                          <p:val>
-                                            <p:fltVal val="0"/>
-                                          </p:val>
-                                        </p:tav>
-                                        <p:tav tm="100000">
-                                          <p:val>
-                                            <p:fltVal val="1"/>
-                                          </p:val>
-                                        </p:tav>
-                                      </p:tavLst>
-                                    </p:anim>
-                                    <p:anim to="" calcmode="lin" valueType="num">
-                                      <p:cBhvr>
-                                        <p:cTn id="8" dur="700" fill="hold">
-                                          <p:stCondLst>
-                                            <p:cond delay="0"/>
-                                          </p:stCondLst>
-                                        </p:cTn>
-                                        <p:tgtEl>
-                                          <p:spTgt spid="2"/>
-                                        </p:tgtEl>
-                                        <p:attrNameLst>
-                                          <p:attrName>ppt_y</p:attrName>
-                                        </p:attrNameLst>
-                                      </p:cBhvr>
-                                      <p:tavLst>
-                                        <p:tav tm="0" fmla="#ppt_y+(-#ppt_h/2*cos(ppt_r/180*pi))*((1.5-1.5*$)^2-(1.5-1.5*$)^3)">
-                                          <p:val>
-                                            <p:fltVal val="0"/>
-                                          </p:val>
-                                        </p:tav>
-                                        <p:tav tm="100000">
-                                          <p:val>
-                                            <p:fltVal val="1"/>
-                                          </p:val>
-                                        </p:tav>
-                                      </p:tavLst>
-                                    </p:anim>
-                                    <p:anim to="" calcmode="lin" valueType="num">
-                                      <p:cBhvr>
-                                        <p:cTn id="9" dur="700" fill="hold">
-                                          <p:stCondLst>
-                                            <p:cond delay="0"/>
-                                          </p:stCondLst>
-                                        </p:cTn>
-                                        <p:tgtEl>
-                                          <p:spTgt spid="2"/>
-                                        </p:tgtEl>
-                                        <p:attrNameLst>
-                                          <p:attrName>ppt_h</p:attrName>
-                                        </p:attrNameLst>
-                                      </p:cBhvr>
-                                      <p:tavLst>
-                                        <p:tav tm="0" fmla="#ppt_h-(-#ppt_h)*((1.5-1.5*$)^2-(1.5-1.5*$)^3)">
-                                          <p:val>
-                                            <p:fltVal val="0"/>
-                                          </p:val>
-                                        </p:tav>
-                                        <p:tav tm="100000">
-                                          <p:val>
-                                            <p:fltVal val="1"/>
-                                          </p:val>
-                                        </p:tav>
-                                      </p:tavLst>
-                                    </p:anim>
-                                    <p:anim to="" calcmode="lin" valueType="num">
-                                      <p:cBhvr>
-                                        <p:cTn id="10" dur="700" fill="hold">
-                                          <p:stCondLst>
-                                            <p:cond delay="0"/>
-                                          </p:stCondLst>
-                                        </p:cTn>
-                                        <p:tgtEl>
-                                          <p:spTgt spid="2"/>
-                                        </p:tgtEl>
-                                        <p:attrNameLst>
-                                          <p:attrName>ppt_w</p:attrName>
-                                        </p:attrNameLst>
-                                      </p:cBhvr>
-                                      <p:tavLst>
-                                        <p:tav tm="0" fmla="#ppt_w-(-#ppt_w)*((1.5-1.5*$)^2-(1.5-1.5*$)^3)">
-                                          <p:val>
-                                            <p:fltVal val="0"/>
-                                          </p:val>
-                                        </p:tav>
-                                        <p:tav tm="100000">
-                                          <p:val>
-                                            <p:fltVal val="1"/>
-                                          </p:val>
-                                        </p:tav>
-                                      </p:tavLst>
-                                    </p:anim>
-                                  </p:childTnLst>
-                                </p:cTn>
-                              </p:par>
-                              <p:par>
-                                <p:cTn id="11" presetID="0" presetClass="entr" presetSubtype="0" fill="hold" grpId="0" nodeType="withEffect">
-                                  <p:stCondLst>
-                                    <p:cond delay="0"/>
-                                  </p:stCondLst>
-                                  <p:iterate type="lt">
-                                    <p:tmPct val="10000"/>
-                                  </p:iterate>
-                                  <p:childTnLst>
-                                    <p:set>
-                                      <p:cBhvr>
-                                        <p:cTn id="12" dur="1" fill="hold">
-                                          <p:stCondLst>
-                                            <p:cond delay="0"/>
-                                          </p:stCondLst>
-                                        </p:cTn>
-                                        <p:tgtEl>
-                                          <p:spTgt spid="13"/>
-                                        </p:tgtEl>
-                                        <p:attrNameLst>
-                                          <p:attrName>style.visibility</p:attrName>
-                                        </p:attrNameLst>
-                                      </p:cBhvr>
-                                      <p:to>
-                                        <p:strVal val="visible"/>
-                                      </p:to>
-                                    </p:set>
-                                    <p:anim to="" calcmode="lin" valueType="num">
-                                      <p:cBhvr>
-                                        <p:cTn id="13" dur="700" fill="hold">
-                                          <p:stCondLst>
-                                            <p:cond delay="0"/>
-                                          </p:stCondLst>
-                                        </p:cTn>
-                                        <p:tgtEl>
-                                          <p:spTgt spid="13"/>
-                                        </p:tgtEl>
-                                        <p:attrNameLst>
-                                          <p:attrName>ppt_x</p:attrName>
-                                        </p:attrNameLst>
-                                      </p:cBhvr>
-                                      <p:tavLst>
-                                        <p:tav tm="0" fmla="#ppt_x-(-#ppt_w/2*cos(ppt_r/180*pi))*((1.5-1.5*$)^2-(1.5-1.5*$)^3)">
-                                          <p:val>
-                                            <p:fltVal val="0"/>
-                                          </p:val>
-                                        </p:tav>
-                                        <p:tav tm="100000">
-                                          <p:val>
-                                            <p:fltVal val="1"/>
-                                          </p:val>
-                                        </p:tav>
-                                      </p:tavLst>
-                                    </p:anim>
-                                    <p:anim to="" calcmode="lin" valueType="num">
-                                      <p:cBhvr>
-                                        <p:cTn id="14" dur="700" fill="hold">
-                                          <p:stCondLst>
-                                            <p:cond delay="0"/>
-                                          </p:stCondLst>
-                                        </p:cTn>
-                                        <p:tgtEl>
-                                          <p:spTgt spid="13"/>
-                                        </p:tgtEl>
-                                        <p:attrNameLst>
-                                          <p:attrName>ppt_y</p:attrName>
-                                        </p:attrNameLst>
-                                      </p:cBhvr>
-                                      <p:tavLst>
-                                        <p:tav tm="0" fmla="#ppt_y+(-#ppt_h/2*cos(ppt_r/180*pi))*((1.5-1.5*$)^2-(1.5-1.5*$)^3)">
-                                          <p:val>
-                                            <p:fltVal val="0"/>
-                                          </p:val>
-                                        </p:tav>
-                                        <p:tav tm="100000">
-                                          <p:val>
-                                            <p:fltVal val="1"/>
-                                          </p:val>
-                                        </p:tav>
-                                      </p:tavLst>
-                                    </p:anim>
-                                    <p:anim to="" calcmode="lin" valueType="num">
-                                      <p:cBhvr>
-                                        <p:cTn id="15" dur="700" fill="hold">
-                                          <p:stCondLst>
-                                            <p:cond delay="0"/>
-                                          </p:stCondLst>
-                                        </p:cTn>
-                                        <p:tgtEl>
-                                          <p:spTgt spid="13"/>
-                                        </p:tgtEl>
-                                        <p:attrNameLst>
-                                          <p:attrName>ppt_h</p:attrName>
-                                        </p:attrNameLst>
-                                      </p:cBhvr>
-                                      <p:tavLst>
-                                        <p:tav tm="0" fmla="#ppt_h-(-#ppt_h)*((1.5-1.5*$)^2-(1.5-1.5*$)^3)">
-                                          <p:val>
-                                            <p:fltVal val="0"/>
-                                          </p:val>
-                                        </p:tav>
-                                        <p:tav tm="100000">
-                                          <p:val>
-                                            <p:fltVal val="1"/>
-                                          </p:val>
-                                        </p:tav>
-                                      </p:tavLst>
-                                    </p:anim>
-                                    <p:anim to="" calcmode="lin" valueType="num">
-                                      <p:cBhvr>
-                                        <p:cTn id="16" dur="700" fill="hold">
-                                          <p:stCondLst>
-                                            <p:cond delay="0"/>
-                                          </p:stCondLst>
-                                        </p:cTn>
-                                        <p:tgtEl>
-                                          <p:spTgt spid="13"/>
-                                        </p:tgtEl>
-                                        <p:attrNameLst>
-                                          <p:attrName>ppt_w</p:attrName>
-                                        </p:attrNameLst>
-                                      </p:cBhvr>
-                                      <p:tavLst>
-                                        <p:tav tm="0" fmla="#ppt_w-(-#ppt_w)*((1.5-1.5*$)^2-(1.5-1.5*$)^3)">
-                                          <p:val>
-                                            <p:fltVal val="0"/>
-                                          </p:val>
-                                        </p:tav>
-                                        <p:tav tm="100000">
-                                          <p:val>
-                                            <p:fltVal val="1"/>
-                                          </p:val>
-                                        </p:tav>
-                                      </p:tavLst>
-                                    </p:anim>
-                                  </p:childTnLst>
-                                </p:cTn>
-                              </p:par>
-                            </p:childTnLst>
-                          </p:cTn>
-                        </p:par>
-                      </p:childTnLst>
-                    </p:cTn>
-                  </p:par>
-                </p:childTnLst>
-              </p:cTn>
-              <p:prevCondLst>
-                <p:cond evt="onPrev" delay="0">
-                  <p:tgtEl>
-                    <p:sldTgt/>
-                  </p:tgtEl>
-                </p:cond>
-              </p:prevCondLst>
-              <p:nextCondLst>
-                <p:cond evt="onNext" delay="0">
-                  <p:tgtEl>
-                    <p:sldTgt/>
-                  </p:tgtEl>
-                </p:cond>
-              </p:nextCondLst>
-            </p:seq>
-          </p:childTnLst>
-        </p:cTn>
-      </p:par>
-    </p:tnLst>
-    <p:bldLst>
-      <p:bldP spid="13" grpId="0"/>
-    </p:bldLst>
-  </p:timing>
-</p:sld>
-</file>
-
-<file path=ppt/slides/slide11.xml><?xml version="1.0" encoding="utf-8"?>
 <p:sld xmlns:a="http://schemas.openxmlformats.org/drawingml/2006/main" xmlns:r="http://schemas.openxmlformats.org/officeDocument/2006/relationships" xmlns:p="http://schemas.openxmlformats.org/presentationml/2006/main">
   <p:cSld>
     <p:spTree>
@@ -7940,7 +7209,7 @@
 </p:sld>
 </file>
 
-<file path=ppt/slides/slide12.xml><?xml version="1.0" encoding="utf-8"?>
+<file path=ppt/slides/slide11.xml><?xml version="1.0" encoding="utf-8"?>
 <p:sld xmlns:a="http://schemas.openxmlformats.org/drawingml/2006/main" xmlns:r="http://schemas.openxmlformats.org/officeDocument/2006/relationships" xmlns:p="http://schemas.openxmlformats.org/presentationml/2006/main">
   <p:cSld>
     <p:spTree>
@@ -8657,7 +7926,7 @@
 </p:sld>
 </file>
 
-<file path=ppt/slides/slide13.xml><?xml version="1.0" encoding="utf-8"?>
+<file path=ppt/slides/slide12.xml><?xml version="1.0" encoding="utf-8"?>
 <p:sld xmlns:a="http://schemas.openxmlformats.org/drawingml/2006/main" xmlns:r="http://schemas.openxmlformats.org/officeDocument/2006/relationships" xmlns:p="http://schemas.openxmlformats.org/presentationml/2006/main">
   <p:cSld>
     <p:spTree>
@@ -9546,7 +8815,7 @@
 </p:sld>
 </file>
 
-<file path=ppt/slides/slide14.xml><?xml version="1.0" encoding="utf-8"?>
+<file path=ppt/slides/slide13.xml><?xml version="1.0" encoding="utf-8"?>
 <p:sld xmlns:a="http://schemas.openxmlformats.org/drawingml/2006/main" xmlns:r="http://schemas.openxmlformats.org/officeDocument/2006/relationships" xmlns:p="http://schemas.openxmlformats.org/presentationml/2006/main">
   <p:cSld>
     <p:spTree>
@@ -15207,511 +14476,6 @@
       </p:grpSpPr>
       <p:grpSp>
         <p:nvGrpSpPr>
-          <p:cNvPr id="2" name="PA_组合 47"/>
-          <p:cNvGrpSpPr/>
-          <p:nvPr>
-            <p:custDataLst>
-              <p:tags r:id="rId1"/>
-            </p:custDataLst>
-          </p:nvPr>
-        </p:nvGrpSpPr>
-        <p:grpSpPr>
-          <a:xfrm>
-            <a:off x="554877" y="932724"/>
-            <a:ext cx="1199456" cy="74689"/>
-            <a:chOff x="0" y="2842590"/>
-            <a:chExt cx="7054752" cy="89199"/>
-          </a:xfrm>
-        </p:grpSpPr>
-        <p:sp>
-          <p:nvSpPr>
-            <p:cNvPr id="49" name="矩形 48"/>
-            <p:cNvSpPr/>
-            <p:nvPr/>
-          </p:nvSpPr>
-          <p:spPr>
-            <a:xfrm>
-              <a:off x="0" y="2842590"/>
-              <a:ext cx="1763688" cy="89199"/>
-            </a:xfrm>
-            <a:prstGeom prst="rect">
-              <a:avLst/>
-            </a:prstGeom>
-            <a:solidFill>
-              <a:schemeClr val="accent1"/>
-            </a:solidFill>
-            <a:ln>
-              <a:noFill/>
-            </a:ln>
-          </p:spPr>
-          <p:style>
-            <a:lnRef idx="2">
-              <a:schemeClr val="accent1">
-                <a:shade val="50000"/>
-              </a:schemeClr>
-            </a:lnRef>
-            <a:fillRef idx="1">
-              <a:schemeClr val="accent1"/>
-            </a:fillRef>
-            <a:effectRef idx="0">
-              <a:schemeClr val="accent1"/>
-            </a:effectRef>
-            <a:fontRef idx="minor">
-              <a:schemeClr val="lt1"/>
-            </a:fontRef>
-          </p:style>
-          <p:txBody>
-            <a:bodyPr rtlCol="0" anchor="ctr"/>
-            <a:lstStyle/>
-            <a:p>
-              <a:pPr algn="ctr" defTabSz="1218565"/>
-              <a:endParaRPr lang="zh-CN" altLang="en-US" sz="2400">
-                <a:solidFill>
-                  <a:srgbClr val="FFFFFF"/>
-                </a:solidFill>
-                <a:latin typeface="Calibri" panose="020F0502020204030204"/>
-                <a:ea typeface="宋体" panose="02010600030101010101" pitchFamily="2" charset="-122"/>
-              </a:endParaRPr>
-            </a:p>
-          </p:txBody>
-        </p:sp>
-        <p:sp>
-          <p:nvSpPr>
-            <p:cNvPr id="50" name="矩形 49"/>
-            <p:cNvSpPr/>
-            <p:nvPr/>
-          </p:nvSpPr>
-          <p:spPr>
-            <a:xfrm>
-              <a:off x="1763688" y="2842590"/>
-              <a:ext cx="1763688" cy="89199"/>
-            </a:xfrm>
-            <a:prstGeom prst="rect">
-              <a:avLst/>
-            </a:prstGeom>
-            <a:solidFill>
-              <a:schemeClr val="accent2"/>
-            </a:solidFill>
-            <a:ln>
-              <a:noFill/>
-            </a:ln>
-          </p:spPr>
-          <p:style>
-            <a:lnRef idx="2">
-              <a:schemeClr val="accent1">
-                <a:shade val="50000"/>
-              </a:schemeClr>
-            </a:lnRef>
-            <a:fillRef idx="1">
-              <a:schemeClr val="accent1"/>
-            </a:fillRef>
-            <a:effectRef idx="0">
-              <a:schemeClr val="accent1"/>
-            </a:effectRef>
-            <a:fontRef idx="minor">
-              <a:schemeClr val="lt1"/>
-            </a:fontRef>
-          </p:style>
-          <p:txBody>
-            <a:bodyPr rtlCol="0" anchor="ctr"/>
-            <a:lstStyle/>
-            <a:p>
-              <a:pPr algn="ctr" defTabSz="1218565"/>
-              <a:endParaRPr lang="zh-CN" altLang="en-US" sz="2400">
-                <a:solidFill>
-                  <a:srgbClr val="FFFFFF"/>
-                </a:solidFill>
-                <a:latin typeface="Calibri" panose="020F0502020204030204"/>
-                <a:ea typeface="宋体" panose="02010600030101010101" pitchFamily="2" charset="-122"/>
-              </a:endParaRPr>
-            </a:p>
-          </p:txBody>
-        </p:sp>
-        <p:sp>
-          <p:nvSpPr>
-            <p:cNvPr id="51" name="矩形 50"/>
-            <p:cNvSpPr/>
-            <p:nvPr/>
-          </p:nvSpPr>
-          <p:spPr>
-            <a:xfrm>
-              <a:off x="3527376" y="2842590"/>
-              <a:ext cx="1763688" cy="89199"/>
-            </a:xfrm>
-            <a:prstGeom prst="rect">
-              <a:avLst/>
-            </a:prstGeom>
-            <a:solidFill>
-              <a:schemeClr val="accent3"/>
-            </a:solidFill>
-            <a:ln>
-              <a:noFill/>
-            </a:ln>
-          </p:spPr>
-          <p:style>
-            <a:lnRef idx="2">
-              <a:schemeClr val="accent1">
-                <a:shade val="50000"/>
-              </a:schemeClr>
-            </a:lnRef>
-            <a:fillRef idx="1">
-              <a:schemeClr val="accent1"/>
-            </a:fillRef>
-            <a:effectRef idx="0">
-              <a:schemeClr val="accent1"/>
-            </a:effectRef>
-            <a:fontRef idx="minor">
-              <a:schemeClr val="lt1"/>
-            </a:fontRef>
-          </p:style>
-          <p:txBody>
-            <a:bodyPr rtlCol="0" anchor="ctr"/>
-            <a:lstStyle/>
-            <a:p>
-              <a:pPr algn="ctr" defTabSz="1218565"/>
-              <a:endParaRPr lang="zh-CN" altLang="en-US" sz="2400">
-                <a:solidFill>
-                  <a:srgbClr val="FFFFFF"/>
-                </a:solidFill>
-                <a:latin typeface="Calibri" panose="020F0502020204030204"/>
-                <a:ea typeface="宋体" panose="02010600030101010101" pitchFamily="2" charset="-122"/>
-              </a:endParaRPr>
-            </a:p>
-          </p:txBody>
-        </p:sp>
-        <p:sp>
-          <p:nvSpPr>
-            <p:cNvPr id="52" name="矩形 51"/>
-            <p:cNvSpPr/>
-            <p:nvPr/>
-          </p:nvSpPr>
-          <p:spPr>
-            <a:xfrm>
-              <a:off x="5291064" y="2842590"/>
-              <a:ext cx="1763688" cy="89199"/>
-            </a:xfrm>
-            <a:prstGeom prst="rect">
-              <a:avLst/>
-            </a:prstGeom>
-            <a:solidFill>
-              <a:schemeClr val="accent4"/>
-            </a:solidFill>
-            <a:ln>
-              <a:noFill/>
-            </a:ln>
-          </p:spPr>
-          <p:style>
-            <a:lnRef idx="2">
-              <a:schemeClr val="accent1">
-                <a:shade val="50000"/>
-              </a:schemeClr>
-            </a:lnRef>
-            <a:fillRef idx="1">
-              <a:schemeClr val="accent1"/>
-            </a:fillRef>
-            <a:effectRef idx="0">
-              <a:schemeClr val="accent1"/>
-            </a:effectRef>
-            <a:fontRef idx="minor">
-              <a:schemeClr val="lt1"/>
-            </a:fontRef>
-          </p:style>
-          <p:txBody>
-            <a:bodyPr rtlCol="0" anchor="ctr"/>
-            <a:lstStyle/>
-            <a:p>
-              <a:pPr algn="ctr" defTabSz="1218565"/>
-              <a:endParaRPr lang="zh-CN" altLang="en-US" sz="2400">
-                <a:solidFill>
-                  <a:srgbClr val="FFFFFF"/>
-                </a:solidFill>
-                <a:latin typeface="Calibri" panose="020F0502020204030204"/>
-                <a:ea typeface="宋体" panose="02010600030101010101" pitchFamily="2" charset="-122"/>
-              </a:endParaRPr>
-            </a:p>
-          </p:txBody>
-        </p:sp>
-      </p:grpSp>
-      <p:cxnSp>
-        <p:nvCxnSpPr>
-          <p:cNvPr id="17" name="直接连接符 2"/>
-          <p:cNvCxnSpPr>
-            <a:cxnSpLocks noChangeShapeType="1"/>
-          </p:cNvCxnSpPr>
-          <p:nvPr/>
-        </p:nvCxnSpPr>
-        <p:spPr bwMode="auto">
-          <a:xfrm flipV="1">
-            <a:off x="-44609" y="1060219"/>
-            <a:ext cx="12188825" cy="50801"/>
-          </a:xfrm>
-          <a:prstGeom prst="line">
-            <a:avLst/>
-          </a:prstGeom>
-          <a:noFill/>
-          <a:ln w="9525" algn="ctr">
-            <a:solidFill>
-              <a:srgbClr val="00B0F0">
-                <a:alpha val="34117"/>
-              </a:srgbClr>
-            </a:solidFill>
-            <a:prstDash val="dash"/>
-            <a:round/>
-          </a:ln>
-        </p:spPr>
-      </p:cxnSp>
-      <p:pic>
-        <p:nvPicPr>
-          <p:cNvPr id="3" name="图片 2" descr="OTPLCFAF1T_UG7{8R]%@]_6"/>
-          <p:cNvPicPr>
-            <a:picLocks noChangeAspect="1"/>
-          </p:cNvPicPr>
-          <p:nvPr/>
-        </p:nvPicPr>
-        <p:blipFill>
-          <a:blip r:embed="rId2"/>
-          <a:stretch>
-            <a:fillRect/>
-          </a:stretch>
-        </p:blipFill>
-        <p:spPr>
-          <a:xfrm>
-            <a:off x="3104515" y="1007745"/>
-            <a:ext cx="8751570" cy="6126480"/>
-          </a:xfrm>
-          <a:prstGeom prst="rect">
-            <a:avLst/>
-          </a:prstGeom>
-        </p:spPr>
-      </p:pic>
-    </p:spTree>
-  </p:cSld>
-  <p:clrMapOvr>
-    <a:masterClrMapping/>
-  </p:clrMapOvr>
-  <mc:AlternateContent xmlns:mc="http://schemas.openxmlformats.org/markup-compatibility/2006">
-    <mc:Choice xmlns:p14="http://schemas.microsoft.com/office/powerpoint/2010/main" Requires="p14">
-      <p:transition spd="slow" p14:dur="1500">
-        <p:random/>
-      </p:transition>
-    </mc:Choice>
-    <mc:Fallback>
-      <p:transition spd="slow">
-        <p:random/>
-      </p:transition>
-    </mc:Fallback>
-  </mc:AlternateContent>
-  <p:timing>
-    <p:tnLst>
-      <p:par>
-        <p:cTn id="1" dur="indefinite" restart="never" nodeType="tmRoot">
-          <p:childTnLst>
-            <p:seq concurrent="1" nextAc="seek">
-              <p:cTn id="2" dur="indefinite" nodeType="mainSeq">
-                <p:childTnLst>
-                  <p:par>
-                    <p:cTn id="3" fill="hold">
-                      <p:stCondLst>
-                        <p:cond delay="indefinite"/>
-                        <p:cond evt="onBegin" delay="0">
-                          <p:tn val="2"/>
-                        </p:cond>
-                      </p:stCondLst>
-                      <p:childTnLst>
-                        <p:par>
-                          <p:cTn id="4" fill="hold">
-                            <p:stCondLst>
-                              <p:cond delay="0"/>
-                            </p:stCondLst>
-                            <p:childTnLst>
-                              <p:par>
-                                <p:cTn id="5" presetID="0" presetClass="entr" presetSubtype="0" fill="hold" nodeType="withEffect">
-                                  <p:stCondLst>
-                                    <p:cond delay="0"/>
-                                  </p:stCondLst>
-                                  <p:iterate type="lt">
-                                    <p:tmPct val="10000"/>
-                                  </p:iterate>
-                                  <p:childTnLst>
-                                    <p:set>
-                                      <p:cBhvr>
-                                        <p:cTn id="6" dur="1" fill="hold">
-                                          <p:stCondLst>
-                                            <p:cond delay="0"/>
-                                          </p:stCondLst>
-                                        </p:cTn>
-                                        <p:tgtEl>
-                                          <p:spTgt spid="2"/>
-                                        </p:tgtEl>
-                                        <p:attrNameLst>
-                                          <p:attrName>style.visibility</p:attrName>
-                                        </p:attrNameLst>
-                                      </p:cBhvr>
-                                      <p:to>
-                                        <p:strVal val="visible"/>
-                                      </p:to>
-                                    </p:set>
-                                    <p:anim to="" calcmode="lin" valueType="num">
-                                      <p:cBhvr>
-                                        <p:cTn id="7" dur="700" fill="hold">
-                                          <p:stCondLst>
-                                            <p:cond delay="0"/>
-                                          </p:stCondLst>
-                                        </p:cTn>
-                                        <p:tgtEl>
-                                          <p:spTgt spid="2"/>
-                                        </p:tgtEl>
-                                        <p:attrNameLst>
-                                          <p:attrName>ppt_x</p:attrName>
-                                        </p:attrNameLst>
-                                      </p:cBhvr>
-                                      <p:tavLst>
-                                        <p:tav tm="0" fmla="#ppt_x-(-#ppt_w/2*cos(ppt_r/180*pi))*((1.5-1.5*$)^2-(1.5-1.5*$)^3)">
-                                          <p:val>
-                                            <p:fltVal val="0"/>
-                                          </p:val>
-                                        </p:tav>
-                                        <p:tav tm="100000">
-                                          <p:val>
-                                            <p:fltVal val="1"/>
-                                          </p:val>
-                                        </p:tav>
-                                      </p:tavLst>
-                                    </p:anim>
-                                    <p:anim to="" calcmode="lin" valueType="num">
-                                      <p:cBhvr>
-                                        <p:cTn id="8" dur="700" fill="hold">
-                                          <p:stCondLst>
-                                            <p:cond delay="0"/>
-                                          </p:stCondLst>
-                                        </p:cTn>
-                                        <p:tgtEl>
-                                          <p:spTgt spid="2"/>
-                                        </p:tgtEl>
-                                        <p:attrNameLst>
-                                          <p:attrName>ppt_y</p:attrName>
-                                        </p:attrNameLst>
-                                      </p:cBhvr>
-                                      <p:tavLst>
-                                        <p:tav tm="0" fmla="#ppt_y+(-#ppt_h/2*cos(ppt_r/180*pi))*((1.5-1.5*$)^2-(1.5-1.5*$)^3)">
-                                          <p:val>
-                                            <p:fltVal val="0"/>
-                                          </p:val>
-                                        </p:tav>
-                                        <p:tav tm="100000">
-                                          <p:val>
-                                            <p:fltVal val="1"/>
-                                          </p:val>
-                                        </p:tav>
-                                      </p:tavLst>
-                                    </p:anim>
-                                    <p:anim to="" calcmode="lin" valueType="num">
-                                      <p:cBhvr>
-                                        <p:cTn id="9" dur="700" fill="hold">
-                                          <p:stCondLst>
-                                            <p:cond delay="0"/>
-                                          </p:stCondLst>
-                                        </p:cTn>
-                                        <p:tgtEl>
-                                          <p:spTgt spid="2"/>
-                                        </p:tgtEl>
-                                        <p:attrNameLst>
-                                          <p:attrName>ppt_h</p:attrName>
-                                        </p:attrNameLst>
-                                      </p:cBhvr>
-                                      <p:tavLst>
-                                        <p:tav tm="0" fmla="#ppt_h-(-#ppt_h)*((1.5-1.5*$)^2-(1.5-1.5*$)^3)">
-                                          <p:val>
-                                            <p:fltVal val="0"/>
-                                          </p:val>
-                                        </p:tav>
-                                        <p:tav tm="100000">
-                                          <p:val>
-                                            <p:fltVal val="1"/>
-                                          </p:val>
-                                        </p:tav>
-                                      </p:tavLst>
-                                    </p:anim>
-                                    <p:anim to="" calcmode="lin" valueType="num">
-                                      <p:cBhvr>
-                                        <p:cTn id="10" dur="700" fill="hold">
-                                          <p:stCondLst>
-                                            <p:cond delay="0"/>
-                                          </p:stCondLst>
-                                        </p:cTn>
-                                        <p:tgtEl>
-                                          <p:spTgt spid="2"/>
-                                        </p:tgtEl>
-                                        <p:attrNameLst>
-                                          <p:attrName>ppt_w</p:attrName>
-                                        </p:attrNameLst>
-                                      </p:cBhvr>
-                                      <p:tavLst>
-                                        <p:tav tm="0" fmla="#ppt_w-(-#ppt_w)*((1.5-1.5*$)^2-(1.5-1.5*$)^3)">
-                                          <p:val>
-                                            <p:fltVal val="0"/>
-                                          </p:val>
-                                        </p:tav>
-                                        <p:tav tm="100000">
-                                          <p:val>
-                                            <p:fltVal val="1"/>
-                                          </p:val>
-                                        </p:tav>
-                                      </p:tavLst>
-                                    </p:anim>
-                                  </p:childTnLst>
-                                </p:cTn>
-                              </p:par>
-                            </p:childTnLst>
-                          </p:cTn>
-                        </p:par>
-                      </p:childTnLst>
-                    </p:cTn>
-                  </p:par>
-                </p:childTnLst>
-              </p:cTn>
-              <p:prevCondLst>
-                <p:cond evt="onPrev" delay="0">
-                  <p:tgtEl>
-                    <p:sldTgt/>
-                  </p:tgtEl>
-                </p:cond>
-              </p:prevCondLst>
-              <p:nextCondLst>
-                <p:cond evt="onNext" delay="0">
-                  <p:tgtEl>
-                    <p:sldTgt/>
-                  </p:tgtEl>
-                </p:cond>
-              </p:nextCondLst>
-            </p:seq>
-          </p:childTnLst>
-        </p:cTn>
-      </p:par>
-    </p:tnLst>
-  </p:timing>
-</p:sld>
-</file>
-
-<file path=ppt/slides/slide5.xml><?xml version="1.0" encoding="utf-8"?>
-<p:sld xmlns:a="http://schemas.openxmlformats.org/drawingml/2006/main" xmlns:r="http://schemas.openxmlformats.org/officeDocument/2006/relationships" xmlns:p="http://schemas.openxmlformats.org/presentationml/2006/main">
-  <p:cSld>
-    <p:spTree>
-      <p:nvGrpSpPr>
-        <p:cNvPr id="1" name=""/>
-        <p:cNvGrpSpPr/>
-        <p:nvPr/>
-      </p:nvGrpSpPr>
-      <p:grpSpPr>
-        <a:xfrm>
-          <a:off x="0" y="0"/>
-          <a:ext cx="0" cy="0"/>
-          <a:chOff x="0" y="0"/>
-          <a:chExt cx="0" cy="0"/>
-        </a:xfrm>
-      </p:grpSpPr>
-      <p:grpSp>
-        <p:nvGrpSpPr>
           <p:cNvPr id="21" name="PA_组合 20"/>
           <p:cNvGrpSpPr/>
           <p:nvPr>
@@ -16138,663 +14902,13 @@
       </p:grpSp>
       <p:sp>
         <p:nvSpPr>
-          <p:cNvPr id="70" name="PA_任意多边形 10"/>
+          <p:cNvPr id="73" name="PA_任意多边形 13"/>
           <p:cNvSpPr>
             <a:spLocks noEditPoints="1"/>
           </p:cNvSpPr>
           <p:nvPr>
             <p:custDataLst>
               <p:tags r:id="rId4"/>
-            </p:custDataLst>
-          </p:nvPr>
-        </p:nvSpPr>
-        <p:spPr bwMode="auto">
-          <a:xfrm>
-            <a:off x="7376117" y="2750331"/>
-            <a:ext cx="382485" cy="383483"/>
-          </a:xfrm>
-          <a:custGeom>
-            <a:avLst/>
-            <a:gdLst>
-              <a:gd name="T0" fmla="*/ 47 w 162"/>
-              <a:gd name="T1" fmla="*/ 34 h 163"/>
-              <a:gd name="T2" fmla="*/ 34 w 162"/>
-              <a:gd name="T3" fmla="*/ 47 h 163"/>
-              <a:gd name="T4" fmla="*/ 32 w 162"/>
-              <a:gd name="T5" fmla="*/ 61 h 163"/>
-              <a:gd name="T6" fmla="*/ 41 w 162"/>
-              <a:gd name="T7" fmla="*/ 52 h 163"/>
-              <a:gd name="T8" fmla="*/ 52 w 162"/>
-              <a:gd name="T9" fmla="*/ 41 h 163"/>
-              <a:gd name="T10" fmla="*/ 60 w 162"/>
-              <a:gd name="T11" fmla="*/ 32 h 163"/>
-              <a:gd name="T12" fmla="*/ 160 w 162"/>
-              <a:gd name="T13" fmla="*/ 150 h 163"/>
-              <a:gd name="T14" fmla="*/ 130 w 162"/>
-              <a:gd name="T15" fmla="*/ 121 h 163"/>
-              <a:gd name="T16" fmla="*/ 147 w 162"/>
-              <a:gd name="T17" fmla="*/ 74 h 163"/>
-              <a:gd name="T18" fmla="*/ 142 w 162"/>
-              <a:gd name="T19" fmla="*/ 46 h 163"/>
-              <a:gd name="T20" fmla="*/ 126 w 162"/>
-              <a:gd name="T21" fmla="*/ 22 h 163"/>
-              <a:gd name="T22" fmla="*/ 74 w 162"/>
-              <a:gd name="T23" fmla="*/ 0 h 163"/>
-              <a:gd name="T24" fmla="*/ 6 w 162"/>
-              <a:gd name="T25" fmla="*/ 46 h 163"/>
-              <a:gd name="T26" fmla="*/ 5 w 162"/>
-              <a:gd name="T27" fmla="*/ 102 h 163"/>
-              <a:gd name="T28" fmla="*/ 21 w 162"/>
-              <a:gd name="T29" fmla="*/ 126 h 163"/>
-              <a:gd name="T30" fmla="*/ 45 w 162"/>
-              <a:gd name="T31" fmla="*/ 142 h 163"/>
-              <a:gd name="T32" fmla="*/ 45 w 162"/>
-              <a:gd name="T33" fmla="*/ 142 h 163"/>
-              <a:gd name="T34" fmla="*/ 102 w 162"/>
-              <a:gd name="T35" fmla="*/ 142 h 163"/>
-              <a:gd name="T36" fmla="*/ 150 w 162"/>
-              <a:gd name="T37" fmla="*/ 160 h 163"/>
-              <a:gd name="T38" fmla="*/ 160 w 162"/>
-              <a:gd name="T39" fmla="*/ 150 h 163"/>
-              <a:gd name="T40" fmla="*/ 116 w 162"/>
-              <a:gd name="T41" fmla="*/ 117 h 163"/>
-              <a:gd name="T42" fmla="*/ 97 w 162"/>
-              <a:gd name="T43" fmla="*/ 130 h 163"/>
-              <a:gd name="T44" fmla="*/ 51 w 162"/>
-              <a:gd name="T45" fmla="*/ 130 h 163"/>
-              <a:gd name="T46" fmla="*/ 31 w 162"/>
-              <a:gd name="T47" fmla="*/ 117 h 163"/>
-              <a:gd name="T48" fmla="*/ 31 w 162"/>
-              <a:gd name="T49" fmla="*/ 117 h 163"/>
-              <a:gd name="T50" fmla="*/ 18 w 162"/>
-              <a:gd name="T51" fmla="*/ 97 h 163"/>
-              <a:gd name="T52" fmla="*/ 18 w 162"/>
-              <a:gd name="T53" fmla="*/ 51 h 163"/>
-              <a:gd name="T54" fmla="*/ 74 w 162"/>
-              <a:gd name="T55" fmla="*/ 14 h 163"/>
-              <a:gd name="T56" fmla="*/ 116 w 162"/>
-              <a:gd name="T57" fmla="*/ 31 h 163"/>
-              <a:gd name="T58" fmla="*/ 129 w 162"/>
-              <a:gd name="T59" fmla="*/ 51 h 163"/>
-              <a:gd name="T60" fmla="*/ 134 w 162"/>
-              <a:gd name="T61" fmla="*/ 74 h 163"/>
-              <a:gd name="T62" fmla="*/ 116 w 162"/>
-              <a:gd name="T63" fmla="*/ 117 h 163"/>
-              <a:gd name="T64" fmla="*/ 117 w 162"/>
-              <a:gd name="T65" fmla="*/ 70 h 163"/>
-              <a:gd name="T66" fmla="*/ 110 w 162"/>
-              <a:gd name="T67" fmla="*/ 89 h 163"/>
-              <a:gd name="T68" fmla="*/ 102 w 162"/>
-              <a:gd name="T69" fmla="*/ 102 h 163"/>
-              <a:gd name="T70" fmla="*/ 74 w 162"/>
-              <a:gd name="T71" fmla="*/ 114 h 163"/>
-              <a:gd name="T72" fmla="*/ 74 w 162"/>
-              <a:gd name="T73" fmla="*/ 122 h 163"/>
-              <a:gd name="T74" fmla="*/ 107 w 162"/>
-              <a:gd name="T75" fmla="*/ 108 h 163"/>
-              <a:gd name="T76" fmla="*/ 118 w 162"/>
-              <a:gd name="T77" fmla="*/ 92 h 163"/>
-              <a:gd name="T78" fmla="*/ 117 w 162"/>
-              <a:gd name="T79" fmla="*/ 70 h 163"/>
-            </a:gdLst>
-            <a:ahLst/>
-            <a:cxnLst>
-              <a:cxn ang="0">
-                <a:pos x="T0" y="T1"/>
-              </a:cxn>
-              <a:cxn ang="0">
-                <a:pos x="T2" y="T3"/>
-              </a:cxn>
-              <a:cxn ang="0">
-                <a:pos x="T4" y="T5"/>
-              </a:cxn>
-              <a:cxn ang="0">
-                <a:pos x="T6" y="T7"/>
-              </a:cxn>
-              <a:cxn ang="0">
-                <a:pos x="T8" y="T9"/>
-              </a:cxn>
-              <a:cxn ang="0">
-                <a:pos x="T10" y="T11"/>
-              </a:cxn>
-              <a:cxn ang="0">
-                <a:pos x="T12" y="T13"/>
-              </a:cxn>
-              <a:cxn ang="0">
-                <a:pos x="T14" y="T15"/>
-              </a:cxn>
-              <a:cxn ang="0">
-                <a:pos x="T16" y="T17"/>
-              </a:cxn>
-              <a:cxn ang="0">
-                <a:pos x="T18" y="T19"/>
-              </a:cxn>
-              <a:cxn ang="0">
-                <a:pos x="T20" y="T21"/>
-              </a:cxn>
-              <a:cxn ang="0">
-                <a:pos x="T22" y="T23"/>
-              </a:cxn>
-              <a:cxn ang="0">
-                <a:pos x="T24" y="T25"/>
-              </a:cxn>
-              <a:cxn ang="0">
-                <a:pos x="T26" y="T27"/>
-              </a:cxn>
-              <a:cxn ang="0">
-                <a:pos x="T28" y="T29"/>
-              </a:cxn>
-              <a:cxn ang="0">
-                <a:pos x="T30" y="T31"/>
-              </a:cxn>
-              <a:cxn ang="0">
-                <a:pos x="T32" y="T33"/>
-              </a:cxn>
-              <a:cxn ang="0">
-                <a:pos x="T34" y="T35"/>
-              </a:cxn>
-              <a:cxn ang="0">
-                <a:pos x="T36" y="T37"/>
-              </a:cxn>
-              <a:cxn ang="0">
-                <a:pos x="T38" y="T39"/>
-              </a:cxn>
-              <a:cxn ang="0">
-                <a:pos x="T40" y="T41"/>
-              </a:cxn>
-              <a:cxn ang="0">
-                <a:pos x="T42" y="T43"/>
-              </a:cxn>
-              <a:cxn ang="0">
-                <a:pos x="T44" y="T45"/>
-              </a:cxn>
-              <a:cxn ang="0">
-                <a:pos x="T46" y="T47"/>
-              </a:cxn>
-              <a:cxn ang="0">
-                <a:pos x="T48" y="T49"/>
-              </a:cxn>
-              <a:cxn ang="0">
-                <a:pos x="T50" y="T51"/>
-              </a:cxn>
-              <a:cxn ang="0">
-                <a:pos x="T52" y="T53"/>
-              </a:cxn>
-              <a:cxn ang="0">
-                <a:pos x="T54" y="T55"/>
-              </a:cxn>
-              <a:cxn ang="0">
-                <a:pos x="T56" y="T57"/>
-              </a:cxn>
-              <a:cxn ang="0">
-                <a:pos x="T58" y="T59"/>
-              </a:cxn>
-              <a:cxn ang="0">
-                <a:pos x="T60" y="T61"/>
-              </a:cxn>
-              <a:cxn ang="0">
-                <a:pos x="T62" y="T63"/>
-              </a:cxn>
-              <a:cxn ang="0">
-                <a:pos x="T64" y="T65"/>
-              </a:cxn>
-              <a:cxn ang="0">
-                <a:pos x="T66" y="T67"/>
-              </a:cxn>
-              <a:cxn ang="0">
-                <a:pos x="T68" y="T69"/>
-              </a:cxn>
-              <a:cxn ang="0">
-                <a:pos x="T70" y="T71"/>
-              </a:cxn>
-              <a:cxn ang="0">
-                <a:pos x="T72" y="T73"/>
-              </a:cxn>
-              <a:cxn ang="0">
-                <a:pos x="T74" y="T75"/>
-              </a:cxn>
-              <a:cxn ang="0">
-                <a:pos x="T76" y="T77"/>
-              </a:cxn>
-              <a:cxn ang="0">
-                <a:pos x="T78" y="T79"/>
-              </a:cxn>
-            </a:cxnLst>
-            <a:rect l="0" t="0" r="r" b="b"/>
-            <a:pathLst>
-              <a:path w="162" h="163">
-                <a:moveTo>
-                  <a:pt x="55" y="30"/>
-                </a:moveTo>
-                <a:cubicBezTo>
-                  <a:pt x="52" y="31"/>
-                  <a:pt x="50" y="33"/>
-                  <a:pt x="47" y="34"/>
-                </a:cubicBezTo>
-                <a:cubicBezTo>
-                  <a:pt x="44" y="36"/>
-                  <a:pt x="42" y="38"/>
-                  <a:pt x="40" y="40"/>
-                </a:cubicBezTo>
-                <a:cubicBezTo>
-                  <a:pt x="38" y="42"/>
-                  <a:pt x="36" y="45"/>
-                  <a:pt x="34" y="47"/>
-                </a:cubicBezTo>
-                <a:cubicBezTo>
-                  <a:pt x="32" y="50"/>
-                  <a:pt x="31" y="53"/>
-                  <a:pt x="30" y="55"/>
-                </a:cubicBezTo>
-                <a:cubicBezTo>
-                  <a:pt x="29" y="57"/>
-                  <a:pt x="30" y="60"/>
-                  <a:pt x="32" y="61"/>
-                </a:cubicBezTo>
-                <a:cubicBezTo>
-                  <a:pt x="34" y="62"/>
-                  <a:pt x="36" y="61"/>
-                  <a:pt x="37" y="59"/>
-                </a:cubicBezTo>
-                <a:cubicBezTo>
-                  <a:pt x="38" y="56"/>
-                  <a:pt x="39" y="54"/>
-                  <a:pt x="41" y="52"/>
-                </a:cubicBezTo>
-                <a:cubicBezTo>
-                  <a:pt x="42" y="50"/>
-                  <a:pt x="44" y="48"/>
-                  <a:pt x="46" y="46"/>
-                </a:cubicBezTo>
-                <a:cubicBezTo>
-                  <a:pt x="48" y="44"/>
-                  <a:pt x="49" y="43"/>
-                  <a:pt x="52" y="41"/>
-                </a:cubicBezTo>
-                <a:cubicBezTo>
-                  <a:pt x="54" y="40"/>
-                  <a:pt x="56" y="38"/>
-                  <a:pt x="58" y="37"/>
-                </a:cubicBezTo>
-                <a:cubicBezTo>
-                  <a:pt x="60" y="37"/>
-                  <a:pt x="61" y="34"/>
-                  <a:pt x="60" y="32"/>
-                </a:cubicBezTo>
-                <a:cubicBezTo>
-                  <a:pt x="59" y="30"/>
-                  <a:pt x="57" y="29"/>
-                  <a:pt x="55" y="30"/>
-                </a:cubicBezTo>
-                <a:close/>
-                <a:moveTo>
-                  <a:pt x="160" y="150"/>
-                </a:moveTo>
-                <a:cubicBezTo>
-                  <a:pt x="160" y="150"/>
-                  <a:pt x="160" y="150"/>
-                  <a:pt x="160" y="150"/>
-                </a:cubicBezTo>
-                <a:cubicBezTo>
-                  <a:pt x="130" y="121"/>
-                  <a:pt x="130" y="121"/>
-                  <a:pt x="130" y="121"/>
-                </a:cubicBezTo>
-                <a:cubicBezTo>
-                  <a:pt x="135" y="115"/>
-                  <a:pt x="139" y="109"/>
-                  <a:pt x="142" y="102"/>
-                </a:cubicBezTo>
-                <a:cubicBezTo>
-                  <a:pt x="145" y="93"/>
-                  <a:pt x="147" y="84"/>
-                  <a:pt x="147" y="74"/>
-                </a:cubicBezTo>
-                <a:cubicBezTo>
-                  <a:pt x="147" y="64"/>
-                  <a:pt x="145" y="55"/>
-                  <a:pt x="142" y="46"/>
-                </a:cubicBezTo>
-                <a:cubicBezTo>
-                  <a:pt x="142" y="46"/>
-                  <a:pt x="142" y="46"/>
-                  <a:pt x="142" y="46"/>
-                </a:cubicBezTo>
-                <a:cubicBezTo>
-                  <a:pt x="138" y="37"/>
-                  <a:pt x="133" y="29"/>
-                  <a:pt x="126" y="22"/>
-                </a:cubicBezTo>
-                <a:cubicBezTo>
-                  <a:pt x="126" y="22"/>
-                  <a:pt x="126" y="22"/>
-                  <a:pt x="126" y="22"/>
-                </a:cubicBezTo>
-                <a:cubicBezTo>
-                  <a:pt x="119" y="15"/>
-                  <a:pt x="111" y="10"/>
-                  <a:pt x="102" y="6"/>
-                </a:cubicBezTo>
-                <a:cubicBezTo>
-                  <a:pt x="93" y="2"/>
-                  <a:pt x="84" y="0"/>
-                  <a:pt x="74" y="0"/>
-                </a:cubicBezTo>
-                <a:cubicBezTo>
-                  <a:pt x="53" y="0"/>
-                  <a:pt x="35" y="8"/>
-                  <a:pt x="21" y="22"/>
-                </a:cubicBezTo>
-                <a:cubicBezTo>
-                  <a:pt x="15" y="29"/>
-                  <a:pt x="9" y="37"/>
-                  <a:pt x="6" y="46"/>
-                </a:cubicBezTo>
-                <a:cubicBezTo>
-                  <a:pt x="2" y="55"/>
-                  <a:pt x="0" y="64"/>
-                  <a:pt x="0" y="74"/>
-                </a:cubicBezTo>
-                <a:cubicBezTo>
-                  <a:pt x="0" y="84"/>
-                  <a:pt x="2" y="93"/>
-                  <a:pt x="5" y="102"/>
-                </a:cubicBezTo>
-                <a:cubicBezTo>
-                  <a:pt x="6" y="102"/>
-                  <a:pt x="6" y="102"/>
-                  <a:pt x="6" y="102"/>
-                </a:cubicBezTo>
-                <a:cubicBezTo>
-                  <a:pt x="9" y="111"/>
-                  <a:pt x="15" y="119"/>
-                  <a:pt x="21" y="126"/>
-                </a:cubicBezTo>
-                <a:cubicBezTo>
-                  <a:pt x="22" y="126"/>
-                  <a:pt x="22" y="126"/>
-                  <a:pt x="22" y="126"/>
-                </a:cubicBezTo>
-                <a:cubicBezTo>
-                  <a:pt x="28" y="133"/>
-                  <a:pt x="36" y="138"/>
-                  <a:pt x="45" y="142"/>
-                </a:cubicBezTo>
-                <a:cubicBezTo>
-                  <a:pt x="45" y="142"/>
-                  <a:pt x="45" y="142"/>
-                  <a:pt x="45" y="142"/>
-                </a:cubicBezTo>
-                <a:cubicBezTo>
-                  <a:pt x="45" y="142"/>
-                  <a:pt x="45" y="142"/>
-                  <a:pt x="45" y="142"/>
-                </a:cubicBezTo>
-                <a:cubicBezTo>
-                  <a:pt x="54" y="146"/>
-                  <a:pt x="64" y="148"/>
-                  <a:pt x="74" y="148"/>
-                </a:cubicBezTo>
-                <a:cubicBezTo>
-                  <a:pt x="84" y="148"/>
-                  <a:pt x="93" y="146"/>
-                  <a:pt x="102" y="142"/>
-                </a:cubicBezTo>
-                <a:cubicBezTo>
-                  <a:pt x="109" y="139"/>
-                  <a:pt x="115" y="135"/>
-                  <a:pt x="121" y="131"/>
-                </a:cubicBezTo>
-                <a:cubicBezTo>
-                  <a:pt x="150" y="160"/>
-                  <a:pt x="150" y="160"/>
-                  <a:pt x="150" y="160"/>
-                </a:cubicBezTo>
-                <a:cubicBezTo>
-                  <a:pt x="153" y="163"/>
-                  <a:pt x="157" y="163"/>
-                  <a:pt x="160" y="160"/>
-                </a:cubicBezTo>
-                <a:cubicBezTo>
-                  <a:pt x="162" y="157"/>
-                  <a:pt x="162" y="153"/>
-                  <a:pt x="160" y="150"/>
-                </a:cubicBezTo>
-                <a:close/>
-                <a:moveTo>
-                  <a:pt x="116" y="117"/>
-                </a:moveTo>
-                <a:cubicBezTo>
-                  <a:pt x="116" y="117"/>
-                  <a:pt x="116" y="117"/>
-                  <a:pt x="116" y="117"/>
-                </a:cubicBezTo>
-                <a:cubicBezTo>
-                  <a:pt x="116" y="117"/>
-                  <a:pt x="116" y="117"/>
-                  <a:pt x="116" y="117"/>
-                </a:cubicBezTo>
-                <a:cubicBezTo>
-                  <a:pt x="111" y="122"/>
-                  <a:pt x="104" y="127"/>
-                  <a:pt x="97" y="130"/>
-                </a:cubicBezTo>
-                <a:cubicBezTo>
-                  <a:pt x="90" y="133"/>
-                  <a:pt x="82" y="134"/>
-                  <a:pt x="74" y="134"/>
-                </a:cubicBezTo>
-                <a:cubicBezTo>
-                  <a:pt x="65" y="134"/>
-                  <a:pt x="58" y="133"/>
-                  <a:pt x="51" y="130"/>
-                </a:cubicBezTo>
-                <a:cubicBezTo>
-                  <a:pt x="51" y="130"/>
-                  <a:pt x="51" y="130"/>
-                  <a:pt x="51" y="130"/>
-                </a:cubicBezTo>
-                <a:cubicBezTo>
-                  <a:pt x="43" y="127"/>
-                  <a:pt x="37" y="122"/>
-                  <a:pt x="31" y="117"/>
-                </a:cubicBezTo>
-                <a:cubicBezTo>
-                  <a:pt x="31" y="117"/>
-                  <a:pt x="31" y="117"/>
-                  <a:pt x="31" y="117"/>
-                </a:cubicBezTo>
-                <a:cubicBezTo>
-                  <a:pt x="31" y="117"/>
-                  <a:pt x="31" y="117"/>
-                  <a:pt x="31" y="117"/>
-                </a:cubicBezTo>
-                <a:cubicBezTo>
-                  <a:pt x="26" y="111"/>
-                  <a:pt x="21" y="104"/>
-                  <a:pt x="18" y="97"/>
-                </a:cubicBezTo>
-                <a:cubicBezTo>
-                  <a:pt x="18" y="97"/>
-                  <a:pt x="18" y="97"/>
-                  <a:pt x="18" y="97"/>
-                </a:cubicBezTo>
-                <a:cubicBezTo>
-                  <a:pt x="15" y="90"/>
-                  <a:pt x="13" y="82"/>
-                  <a:pt x="13" y="74"/>
-                </a:cubicBezTo>
-                <a:cubicBezTo>
-                  <a:pt x="13" y="66"/>
-                  <a:pt x="15" y="58"/>
-                  <a:pt x="18" y="51"/>
-                </a:cubicBezTo>
-                <a:cubicBezTo>
-                  <a:pt x="21" y="44"/>
-                  <a:pt x="26" y="37"/>
-                  <a:pt x="31" y="31"/>
-                </a:cubicBezTo>
-                <a:cubicBezTo>
-                  <a:pt x="42" y="21"/>
-                  <a:pt x="57" y="14"/>
-                  <a:pt x="74" y="14"/>
-                </a:cubicBezTo>
-                <a:cubicBezTo>
-                  <a:pt x="82" y="14"/>
-                  <a:pt x="90" y="15"/>
-                  <a:pt x="97" y="18"/>
-                </a:cubicBezTo>
-                <a:cubicBezTo>
-                  <a:pt x="104" y="21"/>
-                  <a:pt x="111" y="26"/>
-                  <a:pt x="116" y="31"/>
-                </a:cubicBezTo>
-                <a:cubicBezTo>
-                  <a:pt x="117" y="32"/>
-                  <a:pt x="117" y="32"/>
-                  <a:pt x="117" y="32"/>
-                </a:cubicBezTo>
-                <a:cubicBezTo>
-                  <a:pt x="122" y="37"/>
-                  <a:pt x="126" y="44"/>
-                  <a:pt x="129" y="51"/>
-                </a:cubicBezTo>
-                <a:cubicBezTo>
-                  <a:pt x="129" y="51"/>
-                  <a:pt x="129" y="51"/>
-                  <a:pt x="129" y="51"/>
-                </a:cubicBezTo>
-                <a:cubicBezTo>
-                  <a:pt x="132" y="58"/>
-                  <a:pt x="134" y="66"/>
-                  <a:pt x="134" y="74"/>
-                </a:cubicBezTo>
-                <a:cubicBezTo>
-                  <a:pt x="134" y="82"/>
-                  <a:pt x="132" y="90"/>
-                  <a:pt x="129" y="97"/>
-                </a:cubicBezTo>
-                <a:cubicBezTo>
-                  <a:pt x="126" y="104"/>
-                  <a:pt x="122" y="111"/>
-                  <a:pt x="116" y="117"/>
-                </a:cubicBezTo>
-                <a:close/>
-                <a:moveTo>
-                  <a:pt x="117" y="70"/>
-                </a:moveTo>
-                <a:cubicBezTo>
-                  <a:pt x="117" y="70"/>
-                  <a:pt x="117" y="70"/>
-                  <a:pt x="117" y="70"/>
-                </a:cubicBezTo>
-                <a:cubicBezTo>
-                  <a:pt x="115" y="70"/>
-                  <a:pt x="113" y="72"/>
-                  <a:pt x="113" y="74"/>
-                </a:cubicBezTo>
-                <a:cubicBezTo>
-                  <a:pt x="113" y="79"/>
-                  <a:pt x="112" y="84"/>
-                  <a:pt x="110" y="89"/>
-                </a:cubicBezTo>
-                <a:cubicBezTo>
-                  <a:pt x="110" y="89"/>
-                  <a:pt x="110" y="89"/>
-                  <a:pt x="110" y="89"/>
-                </a:cubicBezTo>
-                <a:cubicBezTo>
-                  <a:pt x="108" y="94"/>
-                  <a:pt x="105" y="98"/>
-                  <a:pt x="102" y="102"/>
-                </a:cubicBezTo>
-                <a:cubicBezTo>
-                  <a:pt x="98" y="106"/>
-                  <a:pt x="94" y="109"/>
-                  <a:pt x="89" y="111"/>
-                </a:cubicBezTo>
-                <a:cubicBezTo>
-                  <a:pt x="84" y="113"/>
-                  <a:pt x="79" y="114"/>
-                  <a:pt x="74" y="114"/>
-                </a:cubicBezTo>
-                <a:cubicBezTo>
-                  <a:pt x="71" y="114"/>
-                  <a:pt x="70" y="115"/>
-                  <a:pt x="70" y="118"/>
-                </a:cubicBezTo>
-                <a:cubicBezTo>
-                  <a:pt x="70" y="120"/>
-                  <a:pt x="71" y="122"/>
-                  <a:pt x="74" y="122"/>
-                </a:cubicBezTo>
-                <a:cubicBezTo>
-                  <a:pt x="80" y="122"/>
-                  <a:pt x="86" y="120"/>
-                  <a:pt x="92" y="118"/>
-                </a:cubicBezTo>
-                <a:cubicBezTo>
-                  <a:pt x="98" y="116"/>
-                  <a:pt x="103" y="112"/>
-                  <a:pt x="107" y="108"/>
-                </a:cubicBezTo>
-                <a:cubicBezTo>
-                  <a:pt x="112" y="103"/>
-                  <a:pt x="115" y="98"/>
-                  <a:pt x="118" y="92"/>
-                </a:cubicBezTo>
-                <a:cubicBezTo>
-                  <a:pt x="118" y="92"/>
-                  <a:pt x="118" y="92"/>
-                  <a:pt x="118" y="92"/>
-                </a:cubicBezTo>
-                <a:cubicBezTo>
-                  <a:pt x="120" y="86"/>
-                  <a:pt x="121" y="80"/>
-                  <a:pt x="121" y="74"/>
-                </a:cubicBezTo>
-                <a:cubicBezTo>
-                  <a:pt x="121" y="72"/>
-                  <a:pt x="120" y="70"/>
-                  <a:pt x="117" y="70"/>
-                </a:cubicBezTo>
-                <a:close/>
-              </a:path>
-            </a:pathLst>
-          </a:custGeom>
-          <a:solidFill>
-            <a:schemeClr val="bg1">
-              <a:lumMod val="50000"/>
-            </a:schemeClr>
-          </a:solidFill>
-          <a:ln>
-            <a:noFill/>
-          </a:ln>
-        </p:spPr>
-        <p:txBody>
-          <a:bodyPr vert="horz" wrap="square" lIns="121920" tIns="60960" rIns="121920" bIns="60960" numCol="1" anchor="t" anchorCtr="0" compatLnSpc="1"/>
-          <a:lstStyle/>
-          <a:p>
-            <a:pPr defTabSz="1218565"/>
-            <a:endParaRPr lang="zh-CN" altLang="en-US" sz="2400">
-              <a:solidFill>
-                <a:srgbClr val="333333"/>
-              </a:solidFill>
-              <a:latin typeface="Calibri" panose="020F0502020204030204"/>
-              <a:ea typeface="宋体" panose="02010600030101010101" pitchFamily="2" charset="-122"/>
-            </a:endParaRPr>
-          </a:p>
-        </p:txBody>
-      </p:sp>
-      <p:sp>
-        <p:nvSpPr>
-          <p:cNvPr id="73" name="PA_任意多边形 13"/>
-          <p:cNvSpPr>
-            <a:spLocks noEditPoints="1"/>
-          </p:cNvSpPr>
-          <p:nvPr>
-            <p:custDataLst>
-              <p:tags r:id="rId5"/>
             </p:custDataLst>
           </p:nvPr>
         </p:nvSpPr>
@@ -17727,238 +15841,13 @@
           </a:p>
         </p:txBody>
       </p:sp>
-      <p:grpSp>
-        <p:nvGrpSpPr>
-          <p:cNvPr id="74" name="PA_组合 73"/>
-          <p:cNvGrpSpPr/>
-          <p:nvPr>
-            <p:custDataLst>
-              <p:tags r:id="rId6"/>
-            </p:custDataLst>
-          </p:nvPr>
-        </p:nvGrpSpPr>
-        <p:grpSpPr>
-          <a:xfrm>
-            <a:off x="6558820" y="3548380"/>
-            <a:ext cx="2016723" cy="2527653"/>
-            <a:chOff x="522514" y="3027330"/>
-            <a:chExt cx="1512542" cy="1440160"/>
-          </a:xfrm>
-        </p:grpSpPr>
-        <p:sp>
-          <p:nvSpPr>
-            <p:cNvPr id="75" name="矩形 74"/>
-            <p:cNvSpPr/>
-            <p:nvPr/>
-          </p:nvSpPr>
-          <p:spPr>
-            <a:xfrm>
-              <a:off x="522514" y="3027330"/>
-              <a:ext cx="1512542" cy="1440160"/>
-            </a:xfrm>
-            <a:prstGeom prst="rect">
-              <a:avLst/>
-            </a:prstGeom>
-            <a:solidFill>
-              <a:schemeClr val="bg1">
-                <a:lumMod val="85000"/>
-                <a:alpha val="20000"/>
-              </a:schemeClr>
-            </a:solidFill>
-            <a:ln>
-              <a:noFill/>
-            </a:ln>
-          </p:spPr>
-          <p:style>
-            <a:lnRef idx="2">
-              <a:schemeClr val="accent1">
-                <a:shade val="50000"/>
-              </a:schemeClr>
-            </a:lnRef>
-            <a:fillRef idx="1">
-              <a:schemeClr val="accent1"/>
-            </a:fillRef>
-            <a:effectRef idx="0">
-              <a:schemeClr val="accent1"/>
-            </a:effectRef>
-            <a:fontRef idx="minor">
-              <a:schemeClr val="lt1"/>
-            </a:fontRef>
-          </p:style>
-          <p:txBody>
-            <a:bodyPr rtlCol="0" anchor="ctr"/>
-            <a:lstStyle/>
-            <a:p>
-              <a:pPr algn="ctr" defTabSz="1218565"/>
-              <a:endParaRPr lang="zh-CN" altLang="en-US" sz="2400">
-                <a:solidFill>
-                  <a:srgbClr val="FFFFFF"/>
-                </a:solidFill>
-                <a:latin typeface="Calibri" panose="020F0502020204030204"/>
-                <a:ea typeface="宋体" panose="02010600030101010101" pitchFamily="2" charset="-122"/>
-              </a:endParaRPr>
-            </a:p>
-          </p:txBody>
-        </p:sp>
-        <p:cxnSp>
-          <p:nvCxnSpPr>
-            <p:cNvPr id="76" name="直接连接符 75"/>
-            <p:cNvCxnSpPr/>
-            <p:nvPr/>
-          </p:nvCxnSpPr>
-          <p:spPr>
-            <a:xfrm>
-              <a:off x="522514" y="3393953"/>
-              <a:ext cx="1512542" cy="0"/>
-            </a:xfrm>
-            <a:prstGeom prst="line">
-              <a:avLst/>
-            </a:prstGeom>
-            <a:ln w="6350">
-              <a:solidFill>
-                <a:schemeClr val="tx1">
-                  <a:lumMod val="50000"/>
-                  <a:lumOff val="50000"/>
-                </a:schemeClr>
-              </a:solidFill>
-            </a:ln>
-          </p:spPr>
-          <p:style>
-            <a:lnRef idx="1">
-              <a:schemeClr val="accent1"/>
-            </a:lnRef>
-            <a:fillRef idx="0">
-              <a:schemeClr val="accent1"/>
-            </a:fillRef>
-            <a:effectRef idx="0">
-              <a:schemeClr val="accent1"/>
-            </a:effectRef>
-            <a:fontRef idx="minor">
-              <a:schemeClr val="tx1"/>
-            </a:fontRef>
-          </p:style>
-        </p:cxnSp>
-      </p:grpSp>
-      <p:sp>
-        <p:nvSpPr>
-          <p:cNvPr id="60" name="PA_矩形 59"/>
-          <p:cNvSpPr/>
-          <p:nvPr>
-            <p:custDataLst>
-              <p:tags r:id="rId7"/>
-            </p:custDataLst>
-          </p:nvPr>
-        </p:nvSpPr>
-        <p:spPr>
-          <a:xfrm>
-            <a:off x="6499551" y="4149053"/>
-            <a:ext cx="2207199" cy="1327150"/>
-          </a:xfrm>
-          <a:prstGeom prst="rect">
-            <a:avLst/>
-          </a:prstGeom>
-        </p:spPr>
-        <p:txBody>
-          <a:bodyPr wrap="square">
-            <a:spAutoFit/>
-          </a:bodyPr>
-          <a:lstStyle/>
-          <a:p>
-            <a:pPr algn="l" defTabSz="1218565">
-              <a:lnSpc>
-                <a:spcPct val="150000"/>
-              </a:lnSpc>
-            </a:pPr>
-            <a:r>
-              <a:rPr lang="zh-CN" altLang="en-US" sz="1335" dirty="0" smtClean="0">
-                <a:ln w="6350">
-                  <a:noFill/>
-                </a:ln>
-                <a:solidFill>
-                  <a:srgbClr val="FFFFFF">
-                    <a:lumMod val="50000"/>
-                  </a:srgbClr>
-                </a:solidFill>
-                <a:latin typeface="Impact" panose="020B0806030902050204" pitchFamily="34" charset="0"/>
-                <a:ea typeface="微软雅黑" panose="020B0503020204020204" pitchFamily="34" charset="-122"/>
-              </a:rPr>
-              <a:t>换肤框架中哪些资源我们可以hook？</a:t>
-            </a:r>
-            <a:endParaRPr lang="zh-CN" altLang="en-US" sz="1335" dirty="0" smtClean="0">
-              <a:ln w="6350">
-                <a:noFill/>
-              </a:ln>
-              <a:solidFill>
-                <a:srgbClr val="FFFFFF">
-                  <a:lumMod val="50000"/>
-                </a:srgbClr>
-              </a:solidFill>
-              <a:latin typeface="Impact" panose="020B0806030902050204" pitchFamily="34" charset="0"/>
-              <a:ea typeface="微软雅黑" panose="020B0503020204020204" pitchFamily="34" charset="-122"/>
-            </a:endParaRPr>
-          </a:p>
-          <a:p>
-            <a:pPr algn="l" defTabSz="1218565">
-              <a:lnSpc>
-                <a:spcPct val="150000"/>
-              </a:lnSpc>
-            </a:pPr>
-            <a:r>
-              <a:rPr lang="zh-CN" altLang="en-US" sz="1335" dirty="0" smtClean="0">
-                <a:ln w="6350">
-                  <a:noFill/>
-                </a:ln>
-                <a:solidFill>
-                  <a:srgbClr val="FFFFFF">
-                    <a:lumMod val="50000"/>
-                  </a:srgbClr>
-                </a:solidFill>
-                <a:latin typeface="Impact" panose="020B0806030902050204" pitchFamily="34" charset="0"/>
-                <a:ea typeface="微软雅黑" panose="020B0503020204020204" pitchFamily="34" charset="-122"/>
-              </a:rPr>
-              <a:t>换肤架构手写实战</a:t>
-            </a:r>
-            <a:endParaRPr lang="zh-CN" altLang="en-US" sz="1335" dirty="0" smtClean="0">
-              <a:ln w="6350">
-                <a:noFill/>
-              </a:ln>
-              <a:solidFill>
-                <a:srgbClr val="FFFFFF">
-                  <a:lumMod val="50000"/>
-                </a:srgbClr>
-              </a:solidFill>
-              <a:latin typeface="Impact" panose="020B0806030902050204" pitchFamily="34" charset="0"/>
-              <a:ea typeface="微软雅黑" panose="020B0503020204020204" pitchFamily="34" charset="-122"/>
-            </a:endParaRPr>
-          </a:p>
-          <a:p>
-            <a:pPr algn="l" defTabSz="1218565">
-              <a:lnSpc>
-                <a:spcPct val="150000"/>
-              </a:lnSpc>
-            </a:pPr>
-            <a:endParaRPr lang="zh-CN" altLang="en-US" sz="1335" dirty="0" smtClean="0">
-              <a:ln w="6350">
-                <a:noFill/>
-              </a:ln>
-              <a:solidFill>
-                <a:srgbClr val="FFFFFF">
-                  <a:lumMod val="50000"/>
-                </a:srgbClr>
-              </a:solidFill>
-              <a:latin typeface="Impact" panose="020B0806030902050204" pitchFamily="34" charset="0"/>
-              <a:ea typeface="微软雅黑" panose="020B0503020204020204" pitchFamily="34" charset="-122"/>
-            </a:endParaRPr>
-          </a:p>
-        </p:txBody>
-      </p:sp>
       <p:sp>
         <p:nvSpPr>
           <p:cNvPr id="61" name="PA_矩形 60"/>
           <p:cNvSpPr/>
           <p:nvPr>
             <p:custDataLst>
-              <p:tags r:id="rId8"/>
+              <p:tags r:id="rId5"/>
             </p:custDataLst>
           </p:nvPr>
         </p:nvSpPr>
@@ -18012,39 +15901,7 @@
                 <a:ea typeface="微软雅黑" panose="020B0503020204020204" pitchFamily="34" charset="-122"/>
                 <a:sym typeface="+mn-ea"/>
               </a:rPr>
-              <a:t>展示换肤</a:t>
-            </a:r>
-            <a:r>
-              <a:rPr lang="en-US" altLang="zh-CN" sz="1335" dirty="0">
-                <a:ln w="6350">
-                  <a:noFill/>
-                </a:ln>
-                <a:solidFill>
-                  <a:srgbClr val="FFFFFF">
-                    <a:lumMod val="50000"/>
-                  </a:srgbClr>
-                </a:solidFill>
-                <a:latin typeface="Impact" panose="020B0806030902050204" pitchFamily="34" charset="0"/>
-                <a:ea typeface="微软雅黑" panose="020B0503020204020204" pitchFamily="34" charset="-122"/>
-                <a:sym typeface="+mn-ea"/>
-              </a:rPr>
-              <a:t>demo</a:t>
-            </a:r>
-            <a:r>
-              <a:rPr lang="zh-CN" altLang="en-US" sz="1335" dirty="0">
-                <a:ln w="6350">
-                  <a:noFill/>
-                </a:ln>
-                <a:solidFill>
-                  <a:srgbClr val="FFFFFF">
-                    <a:lumMod val="50000"/>
-                  </a:srgbClr>
-                </a:solidFill>
-                <a:latin typeface="Impact" panose="020B0806030902050204" pitchFamily="34" charset="0"/>
-                <a:ea typeface="微软雅黑" panose="020B0503020204020204" pitchFamily="34" charset="-122"/>
-                <a:sym typeface="+mn-ea"/>
-              </a:rPr>
-              <a:t>效果</a:t>
+              <a:t>编译期注解</a:t>
             </a:r>
             <a:endParaRPr lang="zh-CN" altLang="en-US" sz="1335" dirty="0">
               <a:ln w="6350">
@@ -18096,7 +15953,7 @@
                 <a:ea typeface="微软雅黑" panose="020B0503020204020204" pitchFamily="34" charset="-122"/>
                 <a:sym typeface="+mn-ea"/>
               </a:rPr>
-              <a:t>讨论哪些资源可以替换</a:t>
+              <a:t>注解处理器</a:t>
             </a:r>
             <a:endParaRPr lang="zh-CN" altLang="en-US" sz="1335" dirty="0">
               <a:ln w="6350">
@@ -18132,25 +15989,9 @@
                 <a:ea typeface="微软雅黑" panose="020B0503020204020204" pitchFamily="34" charset="-122"/>
                 <a:sym typeface="+mn-ea"/>
               </a:rPr>
-              <a:t>3.</a:t>
+              <a:t>3.javapoet</a:t>
             </a:r>
-            <a:r>
-              <a:rPr lang="zh-CN" altLang="en-US" sz="1335" dirty="0">
-                <a:ln w="6350">
-                  <a:noFill/>
-                </a:ln>
-                <a:solidFill>
-                  <a:srgbClr val="FFFFFF">
-                    <a:lumMod val="50000"/>
-                  </a:srgbClr>
-                </a:solidFill>
-                <a:latin typeface="Impact" panose="020B0806030902050204" pitchFamily="34" charset="0"/>
-                <a:ea typeface="微软雅黑" panose="020B0503020204020204" pitchFamily="34" charset="-122"/>
-                <a:sym typeface="+mn-ea"/>
-              </a:rPr>
-              <a:t>换肤的步骤分析</a:t>
-            </a:r>
-            <a:endParaRPr lang="zh-CN" altLang="en-US" sz="1335" dirty="0">
+            <a:endParaRPr lang="en-US" altLang="zh-CN" sz="1335" dirty="0">
               <a:ln w="6350">
                 <a:noFill/>
               </a:ln>
@@ -18187,52 +16028,42 @@
               <a:t>4.</a:t>
             </a:r>
             <a:r>
-              <a:rPr lang="zh-CN" altLang="en-US" sz="1335" dirty="0">
-                <a:ln w="6350">
-                  <a:noFill/>
-                </a:ln>
-                <a:solidFill>
-                  <a:srgbClr val="FFFFFF">
-                    <a:lumMod val="50000"/>
-                  </a:srgbClr>
-                </a:solidFill>
-                <a:latin typeface="Impact" panose="020B0806030902050204" pitchFamily="34" charset="0"/>
-                <a:ea typeface="微软雅黑" panose="020B0503020204020204" pitchFamily="34" charset="-122"/>
+              <a:rPr lang="zh-CN" altLang="en-US" sz="1335">
                 <a:sym typeface="+mn-ea"/>
               </a:rPr>
-              <a:t>看看系统是如何创建</a:t>
+              <a:t>处理器注册</a:t>
+            </a:r>
+            <a:endParaRPr lang="zh-CN" altLang="en-US" sz="1335">
+              <a:sym typeface="+mn-ea"/>
+            </a:endParaRPr>
+          </a:p>
+          <a:p>
+            <a:pPr algn="l" defTabSz="1218565">
+              <a:lnSpc>
+                <a:spcPct val="150000"/>
+              </a:lnSpc>
+            </a:pPr>
+            <a:r>
+              <a:rPr lang="en-US" altLang="zh-CN" sz="1335">
+                <a:sym typeface="+mn-ea"/>
+              </a:rPr>
+              <a:t>5.</a:t>
             </a:r>
             <a:r>
-              <a:rPr lang="en-US" altLang="zh-CN" sz="1335" dirty="0">
-                <a:ln w="6350">
-                  <a:noFill/>
-                </a:ln>
+              <a:rPr lang="en-US" altLang="zh-CN" sz="1335">
                 <a:solidFill>
-                  <a:srgbClr val="FFFFFF">
-                    <a:lumMod val="50000"/>
-                  </a:srgbClr>
+                  <a:schemeClr val="accent1"/>
                 </a:solidFill>
-                <a:latin typeface="Impact" panose="020B0806030902050204" pitchFamily="34" charset="0"/>
-                <a:ea typeface="微软雅黑" panose="020B0503020204020204" pitchFamily="34" charset="-122"/>
+                <a:effectLst>
+                  <a:outerShdw blurRad="38100" dist="25400" dir="5400000" algn="ctr" rotWithShape="0">
+                    <a:srgbClr val="6E747A">
+                      <a:alpha val="43000"/>
+                    </a:srgbClr>
+                  </a:outerShdw>
+                </a:effectLst>
                 <a:sym typeface="+mn-ea"/>
               </a:rPr>
-              <a:t>view</a:t>
-            </a:r>
-            <a:r>
-              <a:rPr lang="zh-CN" altLang="en-US" sz="1335" dirty="0">
-                <a:ln w="6350">
-                  <a:noFill/>
-                </a:ln>
-                <a:solidFill>
-                  <a:srgbClr val="FFFFFF">
-                    <a:lumMod val="50000"/>
-                  </a:srgbClr>
-                </a:solidFill>
-                <a:latin typeface="Impact" panose="020B0806030902050204" pitchFamily="34" charset="0"/>
-                <a:ea typeface="微软雅黑" panose="020B0503020204020204" pitchFamily="34" charset="-122"/>
-                <a:sym typeface="+mn-ea"/>
-              </a:rPr>
-              <a:t>的？</a:t>
+              <a:t>annotationProcessor</a:t>
             </a:r>
             <a:endParaRPr lang="zh-CN" altLang="en-US" sz="1335" dirty="0">
               <a:ln w="6350">
@@ -18330,67 +16161,11 @@
       </p:sp>
       <p:sp>
         <p:nvSpPr>
-          <p:cNvPr id="65" name="PA_矩形 64"/>
-          <p:cNvSpPr/>
-          <p:nvPr>
-            <p:custDataLst>
-              <p:tags r:id="rId9"/>
-            </p:custDataLst>
-          </p:nvPr>
-        </p:nvSpPr>
-        <p:spPr>
-          <a:xfrm>
-            <a:off x="7240495" y="3556386"/>
-            <a:ext cx="589280" cy="337185"/>
-          </a:xfrm>
-          <a:prstGeom prst="rect">
-            <a:avLst/>
-          </a:prstGeom>
-        </p:spPr>
-        <p:txBody>
-          <a:bodyPr wrap="none">
-            <a:spAutoFit/>
-          </a:bodyPr>
-          <a:lstStyle/>
-          <a:p>
-            <a:pPr algn="ctr" defTabSz="1218565"/>
-            <a:r>
-              <a:rPr lang="zh-CN" sz="1600" b="1" dirty="0">
-                <a:ln w="6350">
-                  <a:noFill/>
-                </a:ln>
-                <a:solidFill>
-                  <a:srgbClr val="FFFFFF">
-                    <a:lumMod val="50000"/>
-                  </a:srgbClr>
-                </a:solidFill>
-                <a:latin typeface="Impact" panose="020B0806030902050204" pitchFamily="34" charset="0"/>
-                <a:ea typeface="微软雅黑" panose="020B0503020204020204" pitchFamily="34" charset="-122"/>
-              </a:rPr>
-              <a:t>换肤</a:t>
-            </a:r>
-            <a:endParaRPr lang="zh-CN" sz="1600" b="1" dirty="0">
-              <a:ln w="6350">
-                <a:noFill/>
-              </a:ln>
-              <a:solidFill>
-                <a:srgbClr val="FFFFFF">
-                  <a:lumMod val="50000"/>
-                </a:srgbClr>
-              </a:solidFill>
-              <a:latin typeface="Impact" panose="020B0806030902050204" pitchFamily="34" charset="0"/>
-              <a:ea typeface="微软雅黑" panose="020B0503020204020204" pitchFamily="34" charset="-122"/>
-            </a:endParaRPr>
-          </a:p>
-        </p:txBody>
-      </p:sp>
-      <p:sp>
-        <p:nvSpPr>
           <p:cNvPr id="66" name="PA_矩形 65"/>
           <p:cNvSpPr/>
           <p:nvPr>
             <p:custDataLst>
-              <p:tags r:id="rId10"/>
+              <p:tags r:id="rId6"/>
             </p:custDataLst>
           </p:nvPr>
         </p:nvSpPr>
@@ -18411,7 +16186,7 @@
           <a:p>
             <a:pPr algn="l" defTabSz="1218565"/>
             <a:r>
-              <a:rPr lang="zh-CN" sz="1600" b="1" smtClean="0">
+              <a:rPr lang="en-US" altLang="zh-CN" sz="1600" b="1" smtClean="0">
                 <a:ln w="6350">
                   <a:noFill/>
                 </a:ln>
@@ -18424,9 +16199,25 @@
                 <a:ea typeface="微软雅黑" panose="020B0503020204020204" pitchFamily="34" charset="-122"/>
                 <a:sym typeface="+mn-ea"/>
               </a:rPr>
-              <a:t>换肤的思路分析</a:t>
+              <a:t>butterknife</a:t>
             </a:r>
-            <a:endParaRPr lang="zh-CN" sz="1600" b="1" smtClean="0">
+            <a:r>
+              <a:rPr lang="zh-CN" altLang="en-US" sz="1600" b="1" smtClean="0">
+                <a:ln w="6350">
+                  <a:noFill/>
+                </a:ln>
+                <a:solidFill>
+                  <a:srgbClr val="FFFFFF">
+                    <a:lumMod val="50000"/>
+                  </a:srgbClr>
+                </a:solidFill>
+                <a:latin typeface="Impact" panose="020B0806030902050204" pitchFamily="34" charset="0"/>
+                <a:ea typeface="微软雅黑" panose="020B0503020204020204" pitchFamily="34" charset="-122"/>
+                <a:sym typeface="+mn-ea"/>
+              </a:rPr>
+              <a:t>核心技术探究</a:t>
+            </a:r>
+            <a:endParaRPr lang="zh-CN" altLang="en-US" sz="1600" b="1" smtClean="0">
               <a:ln w="6350">
                 <a:noFill/>
               </a:ln>
@@ -18496,7 +16287,7 @@
           </p:cNvSpPr>
           <p:nvPr>
             <p:custDataLst>
-              <p:tags r:id="rId11"/>
+              <p:tags r:id="rId7"/>
             </p:custDataLst>
           </p:nvPr>
         </p:nvSpPr>
@@ -19193,7 +16984,7 @@
           <p:cNvGrpSpPr/>
           <p:nvPr>
             <p:custDataLst>
-              <p:tags r:id="rId12"/>
+              <p:tags r:id="rId8"/>
             </p:custDataLst>
           </p:nvPr>
         </p:nvGrpSpPr>
@@ -19305,14 +17096,14 @@
           <p:cNvSpPr/>
           <p:nvPr>
             <p:custDataLst>
-              <p:tags r:id="rId13"/>
+              <p:tags r:id="rId9"/>
             </p:custDataLst>
           </p:nvPr>
         </p:nvSpPr>
         <p:spPr>
           <a:xfrm>
-            <a:off x="9593076" y="4154763"/>
-            <a:ext cx="1213794" cy="707758"/>
+            <a:off x="9683083" y="4154763"/>
+            <a:ext cx="1033780" cy="709295"/>
           </a:xfrm>
           <a:prstGeom prst="rect">
             <a:avLst/>
@@ -19342,7 +17133,7 @@
                 <a:latin typeface="Impact" panose="020B0806030902050204" pitchFamily="34" charset="0"/>
                 <a:ea typeface="微软雅黑" panose="020B0503020204020204" pitchFamily="34" charset="-122"/>
               </a:rPr>
-              <a:t>课程技术总结</a:t>
+              <a:t>架构师之路</a:t>
             </a:r>
             <a:endParaRPr lang="en-US" altLang="zh-CN" sz="1335" dirty="0" smtClean="0">
               <a:ln w="6350">
@@ -19399,14 +17190,14 @@
           <p:cNvSpPr/>
           <p:nvPr>
             <p:custDataLst>
-              <p:tags r:id="rId14"/>
+              <p:tags r:id="rId10"/>
             </p:custDataLst>
           </p:nvPr>
         </p:nvSpPr>
         <p:spPr>
           <a:xfrm>
-            <a:off x="9697273" y="3562096"/>
-            <a:ext cx="1005403" cy="338554"/>
+            <a:off x="9702135" y="3562096"/>
+            <a:ext cx="995680" cy="337185"/>
           </a:xfrm>
           <a:prstGeom prst="rect">
             <a:avLst/>
@@ -19432,9 +17223,9 @@
                 <a:latin typeface="Impact" panose="020B0806030902050204" pitchFamily="34" charset="0"/>
                 <a:ea typeface="微软雅黑" panose="020B0503020204020204" pitchFamily="34" charset="-122"/>
               </a:rPr>
-              <a:t>课程总结</a:t>
+              <a:t>课程复盘</a:t>
             </a:r>
-            <a:endParaRPr lang="zh-CN" altLang="en-US" sz="1600" b="1" dirty="0">
+            <a:endParaRPr lang="zh-CN" altLang="en-US" sz="1600" b="1" smtClean="0">
               <a:ln w="6350">
                 <a:noFill/>
               </a:ln>
@@ -19457,13 +17248,13 @@
           </p:cNvSpPr>
           <p:nvPr>
             <p:custDataLst>
-              <p:tags r:id="rId15"/>
+              <p:tags r:id="rId11"/>
             </p:custDataLst>
           </p:nvPr>
         </p:nvSpPr>
         <p:spPr bwMode="auto">
           <a:xfrm>
-            <a:off x="5013917" y="2750331"/>
+            <a:off x="6103577" y="2750331"/>
             <a:ext cx="382485" cy="383483"/>
           </a:xfrm>
           <a:custGeom>
@@ -20104,13 +17895,13 @@
           <p:cNvGrpSpPr/>
           <p:nvPr>
             <p:custDataLst>
-              <p:tags r:id="rId16"/>
+              <p:tags r:id="rId12"/>
             </p:custDataLst>
           </p:nvPr>
         </p:nvGrpSpPr>
         <p:grpSpPr>
           <a:xfrm>
-            <a:off x="4164235" y="3548380"/>
+            <a:off x="5253895" y="3548380"/>
             <a:ext cx="2016723" cy="2527653"/>
             <a:chOff x="522514" y="3027330"/>
             <a:chExt cx="1512542" cy="1440160"/>
@@ -20215,14 +18006,14 @@
           <p:cNvSpPr/>
           <p:nvPr>
             <p:custDataLst>
-              <p:tags r:id="rId17"/>
+              <p:tags r:id="rId13"/>
             </p:custDataLst>
           </p:nvPr>
         </p:nvSpPr>
         <p:spPr>
           <a:xfrm>
-            <a:off x="4069080" y="4149090"/>
-            <a:ext cx="2070735" cy="709295"/>
+            <a:off x="5158740" y="4149090"/>
+            <a:ext cx="2070735" cy="1327150"/>
           </a:xfrm>
           <a:prstGeom prst="rect">
             <a:avLst/>
@@ -20239,7 +18030,7 @@
               </a:lnSpc>
             </a:pPr>
             <a:r>
-              <a:rPr sz="1335" dirty="0">
+              <a:rPr lang="en-US" sz="1335" dirty="0">
                 <a:ln w="6350">
                   <a:noFill/>
                 </a:ln>
@@ -20252,9 +18043,128 @@
                 <a:ea typeface="微软雅黑" panose="020B0503020204020204" pitchFamily="34" charset="-122"/>
                 <a:sym typeface="+mn-ea"/>
               </a:rPr>
-              <a:t>AssetManager资源大管家为我所用</a:t>
+              <a:t>1.butterknife</a:t>
             </a:r>
-            <a:endParaRPr sz="1335" dirty="0">
+            <a:r>
+              <a:rPr lang="zh-CN" altLang="en-US" sz="1335" dirty="0">
+                <a:ln w="6350">
+                  <a:noFill/>
+                </a:ln>
+                <a:solidFill>
+                  <a:srgbClr val="FFFFFF">
+                    <a:lumMod val="50000"/>
+                  </a:srgbClr>
+                </a:solidFill>
+                <a:latin typeface="Impact" panose="020B0806030902050204" pitchFamily="34" charset="0"/>
+                <a:ea typeface="微软雅黑" panose="020B0503020204020204" pitchFamily="34" charset="-122"/>
+                <a:sym typeface="+mn-ea"/>
+              </a:rPr>
+              <a:t>框架代码生成原理分析</a:t>
+            </a:r>
+            <a:endParaRPr lang="zh-CN" altLang="en-US" sz="1335" dirty="0">
+              <a:ln w="6350">
+                <a:noFill/>
+              </a:ln>
+              <a:solidFill>
+                <a:srgbClr val="FFFFFF">
+                  <a:lumMod val="50000"/>
+                </a:srgbClr>
+              </a:solidFill>
+              <a:latin typeface="Impact" panose="020B0806030902050204" pitchFamily="34" charset="0"/>
+              <a:ea typeface="微软雅黑" panose="020B0503020204020204" pitchFamily="34" charset="-122"/>
+              <a:sym typeface="+mn-ea"/>
+            </a:endParaRPr>
+          </a:p>
+          <a:p>
+            <a:pPr algn="l" defTabSz="1218565">
+              <a:lnSpc>
+                <a:spcPct val="150000"/>
+              </a:lnSpc>
+            </a:pPr>
+            <a:r>
+              <a:rPr lang="en-US" altLang="zh-CN" sz="1335" dirty="0" smtClean="0">
+                <a:ln w="6350">
+                  <a:noFill/>
+                </a:ln>
+                <a:solidFill>
+                  <a:srgbClr val="FFFFFF">
+                    <a:lumMod val="50000"/>
+                  </a:srgbClr>
+                </a:solidFill>
+                <a:latin typeface="Impact" panose="020B0806030902050204" pitchFamily="34" charset="0"/>
+                <a:ea typeface="微软雅黑" panose="020B0503020204020204" pitchFamily="34" charset="-122"/>
+                <a:sym typeface="+mn-ea"/>
+              </a:rPr>
+              <a:t>2.</a:t>
+            </a:r>
+            <a:r>
+              <a:rPr lang="zh-CN" altLang="en-US" sz="1335" dirty="0" smtClean="0">
+                <a:ln w="6350">
+                  <a:noFill/>
+                </a:ln>
+                <a:solidFill>
+                  <a:srgbClr val="FFFFFF">
+                    <a:lumMod val="50000"/>
+                  </a:srgbClr>
+                </a:solidFill>
+                <a:latin typeface="Impact" panose="020B0806030902050204" pitchFamily="34" charset="0"/>
+                <a:ea typeface="微软雅黑" panose="020B0503020204020204" pitchFamily="34" charset="-122"/>
+                <a:sym typeface="+mn-ea"/>
+              </a:rPr>
+              <a:t>手写</a:t>
+            </a:r>
+            <a:r>
+              <a:rPr lang="en-US" altLang="zh-CN" sz="1335" dirty="0" smtClean="0">
+                <a:ln w="6350">
+                  <a:noFill/>
+                </a:ln>
+                <a:solidFill>
+                  <a:srgbClr val="FFFFFF">
+                    <a:lumMod val="50000"/>
+                  </a:srgbClr>
+                </a:solidFill>
+                <a:latin typeface="Impact" panose="020B0806030902050204" pitchFamily="34" charset="0"/>
+                <a:ea typeface="微软雅黑" panose="020B0503020204020204" pitchFamily="34" charset="-122"/>
+                <a:sym typeface="+mn-ea"/>
+              </a:rPr>
+              <a:t>butterknife</a:t>
+            </a:r>
+            <a:r>
+              <a:rPr lang="zh-CN" altLang="en-US" sz="1335" dirty="0" smtClean="0">
+                <a:ln w="6350">
+                  <a:noFill/>
+                </a:ln>
+                <a:solidFill>
+                  <a:srgbClr val="FFFFFF">
+                    <a:lumMod val="50000"/>
+                  </a:srgbClr>
+                </a:solidFill>
+                <a:latin typeface="Impact" panose="020B0806030902050204" pitchFamily="34" charset="0"/>
+                <a:ea typeface="微软雅黑" panose="020B0503020204020204" pitchFamily="34" charset="-122"/>
+                <a:sym typeface="+mn-ea"/>
+              </a:rPr>
+              <a:t>框架</a:t>
+            </a:r>
+            <a:endParaRPr lang="zh-CN" altLang="en-US" sz="1335" dirty="0" smtClean="0">
+              <a:ln w="6350">
+                <a:noFill/>
+              </a:ln>
+              <a:solidFill>
+                <a:srgbClr val="FFFFFF">
+                  <a:lumMod val="50000"/>
+                </a:srgbClr>
+              </a:solidFill>
+              <a:latin typeface="Impact" panose="020B0806030902050204" pitchFamily="34" charset="0"/>
+              <a:ea typeface="微软雅黑" panose="020B0503020204020204" pitchFamily="34" charset="-122"/>
+            </a:endParaRPr>
+          </a:p>
+          <a:p>
+            <a:pPr algn="l" defTabSz="1218565">
+              <a:lnSpc>
+                <a:spcPct val="150000"/>
+              </a:lnSpc>
+            </a:pPr>
+            <a:endParaRPr lang="zh-CN" altLang="en-US" sz="1335" dirty="0">
               <a:ln w="6350">
                 <a:noFill/>
               </a:ln>
@@ -20276,14 +18186,14 @@
           <p:cNvSpPr/>
           <p:nvPr>
             <p:custDataLst>
-              <p:tags r:id="rId18"/>
+              <p:tags r:id="rId14"/>
             </p:custDataLst>
           </p:nvPr>
         </p:nvSpPr>
         <p:spPr>
           <a:xfrm>
-            <a:off x="4573495" y="3556386"/>
-            <a:ext cx="1198880" cy="337185"/>
+            <a:off x="5090385" y="3556386"/>
+            <a:ext cx="2344420" cy="337185"/>
           </a:xfrm>
           <a:prstGeom prst="rect">
             <a:avLst/>
@@ -20296,7 +18206,7 @@
           <a:p>
             <a:pPr algn="ctr" defTabSz="1218565"/>
             <a:r>
-              <a:rPr lang="zh-CN" sz="1600" b="1" dirty="0">
+              <a:rPr lang="en-US" altLang="zh-CN" sz="1600" b="1" dirty="0">
                 <a:ln w="6350">
                   <a:noFill/>
                 </a:ln>
@@ -20308,9 +18218,24 @@
                 <a:latin typeface="Impact" panose="020B0806030902050204" pitchFamily="34" charset="0"/>
                 <a:ea typeface="微软雅黑" panose="020B0503020204020204" pitchFamily="34" charset="-122"/>
               </a:rPr>
-              <a:t>插件化探究</a:t>
+              <a:t>butterknife</a:t>
             </a:r>
-            <a:endParaRPr lang="zh-CN" sz="1600" b="1" dirty="0">
+            <a:r>
+              <a:rPr lang="zh-CN" altLang="en-US" sz="1600" b="1" dirty="0">
+                <a:ln w="6350">
+                  <a:noFill/>
+                </a:ln>
+                <a:solidFill>
+                  <a:srgbClr val="FFFFFF">
+                    <a:lumMod val="50000"/>
+                  </a:srgbClr>
+                </a:solidFill>
+                <a:latin typeface="Impact" panose="020B0806030902050204" pitchFamily="34" charset="0"/>
+                <a:ea typeface="微软雅黑" panose="020B0503020204020204" pitchFamily="34" charset="-122"/>
+              </a:rPr>
+              <a:t>框架原理解析</a:t>
+            </a:r>
+            <a:endParaRPr lang="zh-CN" altLang="en-US" sz="1600" b="1" dirty="0">
               <a:ln w="6350">
                 <a:noFill/>
               </a:ln>
@@ -20793,7 +18718,7 @@
                                           </p:stCondLst>
                                         </p:cTn>
                                         <p:tgtEl>
-                                          <p:spTgt spid="70"/>
+                                          <p:spTgt spid="73"/>
                                         </p:tgtEl>
                                         <p:attrNameLst>
                                           <p:attrName>style.visibility</p:attrName>
@@ -20811,7 +18736,7 @@
                                           </p:stCondLst>
                                         </p:cTn>
                                         <p:tgtEl>
-                                          <p:spTgt spid="70"/>
+                                          <p:spTgt spid="73"/>
                                         </p:tgtEl>
                                         <p:attrNameLst>
                                           <p:attrName>ppt_x</p:attrName>
@@ -20838,7 +18763,7 @@
                                           </p:stCondLst>
                                         </p:cTn>
                                         <p:tgtEl>
-                                          <p:spTgt spid="70"/>
+                                          <p:spTgt spid="73"/>
                                         </p:tgtEl>
                                         <p:attrNameLst>
                                           <p:attrName>ppt_y</p:attrName>
@@ -20865,7 +18790,7 @@
                                           </p:stCondLst>
                                         </p:cTn>
                                         <p:tgtEl>
-                                          <p:spTgt spid="70"/>
+                                          <p:spTgt spid="73"/>
                                         </p:tgtEl>
                                         <p:attrNameLst>
                                           <p:attrName>ppt_h</p:attrName>
@@ -20892,7 +18817,7 @@
                                           </p:stCondLst>
                                         </p:cTn>
                                         <p:tgtEl>
-                                          <p:spTgt spid="70"/>
+                                          <p:spTgt spid="73"/>
                                         </p:tgtEl>
                                         <p:attrNameLst>
                                           <p:attrName>ppt_w</p:attrName>
@@ -20919,6 +18844,9 @@
                                   <p:stCondLst>
                                     <p:cond delay="0"/>
                                   </p:stCondLst>
+                                  <p:iterate type="lt">
+                                    <p:tmPct val="10000"/>
+                                  </p:iterate>
                                   <p:childTnLst>
                                     <p:set>
                                       <p:cBhvr>
@@ -20928,7 +18856,7 @@
                                           </p:stCondLst>
                                         </p:cTn>
                                         <p:tgtEl>
-                                          <p:spTgt spid="73"/>
+                                          <p:spTgt spid="61"/>
                                         </p:tgtEl>
                                         <p:attrNameLst>
                                           <p:attrName>style.visibility</p:attrName>
@@ -20946,7 +18874,7 @@
                                           </p:stCondLst>
                                         </p:cTn>
                                         <p:tgtEl>
-                                          <p:spTgt spid="73"/>
+                                          <p:spTgt spid="61"/>
                                         </p:tgtEl>
                                         <p:attrNameLst>
                                           <p:attrName>ppt_x</p:attrName>
@@ -20973,7 +18901,7 @@
                                           </p:stCondLst>
                                         </p:cTn>
                                         <p:tgtEl>
-                                          <p:spTgt spid="73"/>
+                                          <p:spTgt spid="61"/>
                                         </p:tgtEl>
                                         <p:attrNameLst>
                                           <p:attrName>ppt_y</p:attrName>
@@ -21000,7 +18928,7 @@
                                           </p:stCondLst>
                                         </p:cTn>
                                         <p:tgtEl>
-                                          <p:spTgt spid="73"/>
+                                          <p:spTgt spid="61"/>
                                         </p:tgtEl>
                                         <p:attrNameLst>
                                           <p:attrName>ppt_h</p:attrName>
@@ -21027,7 +18955,7 @@
                                           </p:stCondLst>
                                         </p:cTn>
                                         <p:tgtEl>
-                                          <p:spTgt spid="73"/>
+                                          <p:spTgt spid="61"/>
                                         </p:tgtEl>
                                         <p:attrNameLst>
                                           <p:attrName>ppt_w</p:attrName>
@@ -21050,13 +18978,10 @@
                                 </p:cTn>
                               </p:par>
                               <p:par>
-                                <p:cTn id="35" presetID="0" presetClass="entr" presetSubtype="0" fill="hold" nodeType="withEffect">
+                                <p:cTn id="35" presetID="0" presetClass="entr" presetSubtype="0" fill="hold" grpId="0" nodeType="withEffect">
                                   <p:stCondLst>
                                     <p:cond delay="0"/>
                                   </p:stCondLst>
-                                  <p:iterate type="lt">
-                                    <p:tmPct val="10000"/>
-                                  </p:iterate>
                                   <p:childTnLst>
                                     <p:set>
                                       <p:cBhvr>
@@ -21066,7 +18991,7 @@
                                           </p:stCondLst>
                                         </p:cTn>
                                         <p:tgtEl>
-                                          <p:spTgt spid="74"/>
+                                          <p:spTgt spid="66"/>
                                         </p:tgtEl>
                                         <p:attrNameLst>
                                           <p:attrName>style.visibility</p:attrName>
@@ -21084,7 +19009,7 @@
                                           </p:stCondLst>
                                         </p:cTn>
                                         <p:tgtEl>
-                                          <p:spTgt spid="74"/>
+                                          <p:spTgt spid="66"/>
                                         </p:tgtEl>
                                         <p:attrNameLst>
                                           <p:attrName>ppt_x</p:attrName>
@@ -21111,7 +19036,7 @@
                                           </p:stCondLst>
                                         </p:cTn>
                                         <p:tgtEl>
-                                          <p:spTgt spid="74"/>
+                                          <p:spTgt spid="66"/>
                                         </p:tgtEl>
                                         <p:attrNameLst>
                                           <p:attrName>ppt_y</p:attrName>
@@ -21138,7 +19063,7 @@
                                           </p:stCondLst>
                                         </p:cTn>
                                         <p:tgtEl>
-                                          <p:spTgt spid="74"/>
+                                          <p:spTgt spid="66"/>
                                         </p:tgtEl>
                                         <p:attrNameLst>
                                           <p:attrName>ppt_h</p:attrName>
@@ -21165,7 +19090,7 @@
                                           </p:stCondLst>
                                         </p:cTn>
                                         <p:tgtEl>
-                                          <p:spTgt spid="74"/>
+                                          <p:spTgt spid="66"/>
                                         </p:tgtEl>
                                         <p:attrNameLst>
                                           <p:attrName>ppt_w</p:attrName>
@@ -21204,7 +19129,7 @@
                                           </p:stCondLst>
                                         </p:cTn>
                                         <p:tgtEl>
-                                          <p:spTgt spid="60"/>
+                                          <p:spTgt spid="43"/>
                                         </p:tgtEl>
                                         <p:attrNameLst>
                                           <p:attrName>style.visibility</p:attrName>
@@ -21222,7 +19147,7 @@
                                           </p:stCondLst>
                                         </p:cTn>
                                         <p:tgtEl>
-                                          <p:spTgt spid="60"/>
+                                          <p:spTgt spid="43"/>
                                         </p:tgtEl>
                                         <p:attrNameLst>
                                           <p:attrName>ppt_x</p:attrName>
@@ -21249,7 +19174,7 @@
                                           </p:stCondLst>
                                         </p:cTn>
                                         <p:tgtEl>
-                                          <p:spTgt spid="60"/>
+                                          <p:spTgt spid="43"/>
                                         </p:tgtEl>
                                         <p:attrNameLst>
                                           <p:attrName>ppt_y</p:attrName>
@@ -21276,7 +19201,7 @@
                                           </p:stCondLst>
                                         </p:cTn>
                                         <p:tgtEl>
-                                          <p:spTgt spid="60"/>
+                                          <p:spTgt spid="43"/>
                                         </p:tgtEl>
                                         <p:attrNameLst>
                                           <p:attrName>ppt_h</p:attrName>
@@ -21303,7 +19228,7 @@
                                           </p:stCondLst>
                                         </p:cTn>
                                         <p:tgtEl>
-                                          <p:spTgt spid="60"/>
+                                          <p:spTgt spid="43"/>
                                         </p:tgtEl>
                                         <p:attrNameLst>
                                           <p:attrName>ppt_w</p:attrName>
@@ -21326,7 +19251,7 @@
                                 </p:cTn>
                               </p:par>
                               <p:par>
-                                <p:cTn id="47" presetID="0" presetClass="entr" presetSubtype="0" fill="hold" grpId="0" nodeType="withEffect">
+                                <p:cTn id="47" presetID="0" presetClass="entr" presetSubtype="0" fill="hold" nodeType="withEffect">
                                   <p:stCondLst>
                                     <p:cond delay="0"/>
                                   </p:stCondLst>
@@ -21342,7 +19267,7 @@
                                           </p:stCondLst>
                                         </p:cTn>
                                         <p:tgtEl>
-                                          <p:spTgt spid="61"/>
+                                          <p:spTgt spid="44"/>
                                         </p:tgtEl>
                                         <p:attrNameLst>
                                           <p:attrName>style.visibility</p:attrName>
@@ -21360,7 +19285,7 @@
                                           </p:stCondLst>
                                         </p:cTn>
                                         <p:tgtEl>
-                                          <p:spTgt spid="61"/>
+                                          <p:spTgt spid="44"/>
                                         </p:tgtEl>
                                         <p:attrNameLst>
                                           <p:attrName>ppt_x</p:attrName>
@@ -21387,7 +19312,7 @@
                                           </p:stCondLst>
                                         </p:cTn>
                                         <p:tgtEl>
-                                          <p:spTgt spid="61"/>
+                                          <p:spTgt spid="44"/>
                                         </p:tgtEl>
                                         <p:attrNameLst>
                                           <p:attrName>ppt_y</p:attrName>
@@ -21414,7 +19339,7 @@
                                           </p:stCondLst>
                                         </p:cTn>
                                         <p:tgtEl>
-                                          <p:spTgt spid="61"/>
+                                          <p:spTgt spid="44"/>
                                         </p:tgtEl>
                                         <p:attrNameLst>
                                           <p:attrName>ppt_h</p:attrName>
@@ -21441,7 +19366,7 @@
                                           </p:stCondLst>
                                         </p:cTn>
                                         <p:tgtEl>
-                                          <p:spTgt spid="61"/>
+                                          <p:spTgt spid="44"/>
                                         </p:tgtEl>
                                         <p:attrNameLst>
                                           <p:attrName>ppt_w</p:attrName>
@@ -21480,7 +19405,7 @@
                                           </p:stCondLst>
                                         </p:cTn>
                                         <p:tgtEl>
-                                          <p:spTgt spid="65"/>
+                                          <p:spTgt spid="51"/>
                                         </p:tgtEl>
                                         <p:attrNameLst>
                                           <p:attrName>style.visibility</p:attrName>
@@ -21498,7 +19423,7 @@
                                           </p:stCondLst>
                                         </p:cTn>
                                         <p:tgtEl>
-                                          <p:spTgt spid="65"/>
+                                          <p:spTgt spid="51"/>
                                         </p:tgtEl>
                                         <p:attrNameLst>
                                           <p:attrName>ppt_x</p:attrName>
@@ -21525,7 +19450,7 @@
                                           </p:stCondLst>
                                         </p:cTn>
                                         <p:tgtEl>
-                                          <p:spTgt spid="65"/>
+                                          <p:spTgt spid="51"/>
                                         </p:tgtEl>
                                         <p:attrNameLst>
                                           <p:attrName>ppt_y</p:attrName>
@@ -21552,7 +19477,7 @@
                                           </p:stCondLst>
                                         </p:cTn>
                                         <p:tgtEl>
-                                          <p:spTgt spid="65"/>
+                                          <p:spTgt spid="51"/>
                                         </p:tgtEl>
                                         <p:attrNameLst>
                                           <p:attrName>ppt_h</p:attrName>
@@ -21579,7 +19504,7 @@
                                           </p:stCondLst>
                                         </p:cTn>
                                         <p:tgtEl>
-                                          <p:spTgt spid="65"/>
+                                          <p:spTgt spid="51"/>
                                         </p:tgtEl>
                                         <p:attrNameLst>
                                           <p:attrName>ppt_w</p:attrName>
@@ -21606,6 +19531,9 @@
                                   <p:stCondLst>
                                     <p:cond delay="0"/>
                                   </p:stCondLst>
+                                  <p:iterate type="lt">
+                                    <p:tmPct val="10000"/>
+                                  </p:iterate>
                                   <p:childTnLst>
                                     <p:set>
                                       <p:cBhvr>
@@ -21615,7 +19543,7 @@
                                           </p:stCondLst>
                                         </p:cTn>
                                         <p:tgtEl>
-                                          <p:spTgt spid="66"/>
+                                          <p:spTgt spid="53"/>
                                         </p:tgtEl>
                                         <p:attrNameLst>
                                           <p:attrName>style.visibility</p:attrName>
@@ -21633,7 +19561,7 @@
                                           </p:stCondLst>
                                         </p:cTn>
                                         <p:tgtEl>
-                                          <p:spTgt spid="66"/>
+                                          <p:spTgt spid="53"/>
                                         </p:tgtEl>
                                         <p:attrNameLst>
                                           <p:attrName>ppt_x</p:attrName>
@@ -21660,7 +19588,7 @@
                                           </p:stCondLst>
                                         </p:cTn>
                                         <p:tgtEl>
-                                          <p:spTgt spid="66"/>
+                                          <p:spTgt spid="53"/>
                                         </p:tgtEl>
                                         <p:attrNameLst>
                                           <p:attrName>ppt_y</p:attrName>
@@ -21687,7 +19615,7 @@
                                           </p:stCondLst>
                                         </p:cTn>
                                         <p:tgtEl>
-                                          <p:spTgt spid="66"/>
+                                          <p:spTgt spid="53"/>
                                         </p:tgtEl>
                                         <p:attrNameLst>
                                           <p:attrName>ppt_h</p:attrName>
@@ -21714,7 +19642,7 @@
                                           </p:stCondLst>
                                         </p:cTn>
                                         <p:tgtEl>
-                                          <p:spTgt spid="66"/>
+                                          <p:spTgt spid="53"/>
                                         </p:tgtEl>
                                         <p:attrNameLst>
                                           <p:attrName>ppt_w</p:attrName>
@@ -21741,9 +19669,6 @@
                                   <p:stCondLst>
                                     <p:cond delay="0"/>
                                   </p:stCondLst>
-                                  <p:iterate type="lt">
-                                    <p:tmPct val="10000"/>
-                                  </p:iterate>
                                   <p:childTnLst>
                                     <p:set>
                                       <p:cBhvr>
@@ -21753,7 +19678,7 @@
                                           </p:stCondLst>
                                         </p:cTn>
                                         <p:tgtEl>
-                                          <p:spTgt spid="43"/>
+                                          <p:spTgt spid="3"/>
                                         </p:tgtEl>
                                         <p:attrNameLst>
                                           <p:attrName>style.visibility</p:attrName>
@@ -21771,7 +19696,7 @@
                                           </p:stCondLst>
                                         </p:cTn>
                                         <p:tgtEl>
-                                          <p:spTgt spid="43"/>
+                                          <p:spTgt spid="3"/>
                                         </p:tgtEl>
                                         <p:attrNameLst>
                                           <p:attrName>ppt_x</p:attrName>
@@ -21798,7 +19723,7 @@
                                           </p:stCondLst>
                                         </p:cTn>
                                         <p:tgtEl>
-                                          <p:spTgt spid="43"/>
+                                          <p:spTgt spid="3"/>
                                         </p:tgtEl>
                                         <p:attrNameLst>
                                           <p:attrName>ppt_y</p:attrName>
@@ -21825,7 +19750,7 @@
                                           </p:stCondLst>
                                         </p:cTn>
                                         <p:tgtEl>
-                                          <p:spTgt spid="43"/>
+                                          <p:spTgt spid="3"/>
                                         </p:tgtEl>
                                         <p:attrNameLst>
                                           <p:attrName>ppt_h</p:attrName>
@@ -21852,7 +19777,7 @@
                                           </p:stCondLst>
                                         </p:cTn>
                                         <p:tgtEl>
-                                          <p:spTgt spid="43"/>
+                                          <p:spTgt spid="3"/>
                                         </p:tgtEl>
                                         <p:attrNameLst>
                                           <p:attrName>ppt_w</p:attrName>
@@ -21891,7 +19816,7 @@
                                           </p:stCondLst>
                                         </p:cTn>
                                         <p:tgtEl>
-                                          <p:spTgt spid="44"/>
+                                          <p:spTgt spid="9"/>
                                         </p:tgtEl>
                                         <p:attrNameLst>
                                           <p:attrName>style.visibility</p:attrName>
@@ -21909,7 +19834,7 @@
                                           </p:stCondLst>
                                         </p:cTn>
                                         <p:tgtEl>
-                                          <p:spTgt spid="44"/>
+                                          <p:spTgt spid="9"/>
                                         </p:tgtEl>
                                         <p:attrNameLst>
                                           <p:attrName>ppt_x</p:attrName>
@@ -21936,7 +19861,7 @@
                                           </p:stCondLst>
                                         </p:cTn>
                                         <p:tgtEl>
-                                          <p:spTgt spid="44"/>
+                                          <p:spTgt spid="9"/>
                                         </p:tgtEl>
                                         <p:attrNameLst>
                                           <p:attrName>ppt_y</p:attrName>
@@ -21963,7 +19888,7 @@
                                           </p:stCondLst>
                                         </p:cTn>
                                         <p:tgtEl>
-                                          <p:spTgt spid="44"/>
+                                          <p:spTgt spid="9"/>
                                         </p:tgtEl>
                                         <p:attrNameLst>
                                           <p:attrName>ppt_h</p:attrName>
@@ -21990,7 +19915,7 @@
                                           </p:stCondLst>
                                         </p:cTn>
                                         <p:tgtEl>
-                                          <p:spTgt spid="44"/>
+                                          <p:spTgt spid="9"/>
                                         </p:tgtEl>
                                         <p:attrNameLst>
                                           <p:attrName>ppt_w</p:attrName>
@@ -22029,7 +19954,7 @@
                                           </p:stCondLst>
                                         </p:cTn>
                                         <p:tgtEl>
-                                          <p:spTgt spid="51"/>
+                                          <p:spTgt spid="12"/>
                                         </p:tgtEl>
                                         <p:attrNameLst>
                                           <p:attrName>style.visibility</p:attrName>
@@ -22047,7 +19972,7 @@
                                           </p:stCondLst>
                                         </p:cTn>
                                         <p:tgtEl>
-                                          <p:spTgt spid="51"/>
+                                          <p:spTgt spid="12"/>
                                         </p:tgtEl>
                                         <p:attrNameLst>
                                           <p:attrName>ppt_x</p:attrName>
@@ -22074,7 +19999,7 @@
                                           </p:stCondLst>
                                         </p:cTn>
                                         <p:tgtEl>
-                                          <p:spTgt spid="51"/>
+                                          <p:spTgt spid="12"/>
                                         </p:tgtEl>
                                         <p:attrNameLst>
                                           <p:attrName>ppt_y</p:attrName>
@@ -22101,7 +20026,7 @@
                                           </p:stCondLst>
                                         </p:cTn>
                                         <p:tgtEl>
-                                          <p:spTgt spid="51"/>
+                                          <p:spTgt spid="12"/>
                                         </p:tgtEl>
                                         <p:attrNameLst>
                                           <p:attrName>ppt_h</p:attrName>
@@ -22128,7 +20053,7 @@
                                           </p:stCondLst>
                                         </p:cTn>
                                         <p:tgtEl>
-                                          <p:spTgt spid="51"/>
+                                          <p:spTgt spid="12"/>
                                         </p:tgtEl>
                                         <p:attrNameLst>
                                           <p:attrName>ppt_w</p:attrName>
@@ -22167,7 +20092,7 @@
                                           </p:stCondLst>
                                         </p:cTn>
                                         <p:tgtEl>
-                                          <p:spTgt spid="53"/>
+                                          <p:spTgt spid="13"/>
                                         </p:tgtEl>
                                         <p:attrNameLst>
                                           <p:attrName>style.visibility</p:attrName>
@@ -22185,555 +20110,6 @@
                                           </p:stCondLst>
                                         </p:cTn>
                                         <p:tgtEl>
-                                          <p:spTgt spid="53"/>
-                                        </p:tgtEl>
-                                        <p:attrNameLst>
-                                          <p:attrName>ppt_x</p:attrName>
-                                        </p:attrNameLst>
-                                      </p:cBhvr>
-                                      <p:tavLst>
-                                        <p:tav tm="0" fmla="#ppt_x-(-#ppt_w/2*cos(ppt_r/180*pi))*((1.5-1.5*$)^2-(1.5-1.5*$)^3)">
-                                          <p:val>
-                                            <p:fltVal val="0"/>
-                                          </p:val>
-                                        </p:tav>
-                                        <p:tav tm="100000">
-                                          <p:val>
-                                            <p:fltVal val="1"/>
-                                          </p:val>
-                                        </p:tav>
-                                      </p:tavLst>
-                                    </p:anim>
-                                    <p:anim to="" calcmode="lin" valueType="num">
-                                      <p:cBhvr>
-                                        <p:cTn id="86" dur="700" fill="hold">
-                                          <p:stCondLst>
-                                            <p:cond delay="0"/>
-                                          </p:stCondLst>
-                                        </p:cTn>
-                                        <p:tgtEl>
-                                          <p:spTgt spid="53"/>
-                                        </p:tgtEl>
-                                        <p:attrNameLst>
-                                          <p:attrName>ppt_y</p:attrName>
-                                        </p:attrNameLst>
-                                      </p:cBhvr>
-                                      <p:tavLst>
-                                        <p:tav tm="0" fmla="#ppt_y+(-#ppt_h/2*cos(ppt_r/180*pi))*((1.5-1.5*$)^2-(1.5-1.5*$)^3)">
-                                          <p:val>
-                                            <p:fltVal val="0"/>
-                                          </p:val>
-                                        </p:tav>
-                                        <p:tav tm="100000">
-                                          <p:val>
-                                            <p:fltVal val="1"/>
-                                          </p:val>
-                                        </p:tav>
-                                      </p:tavLst>
-                                    </p:anim>
-                                    <p:anim to="" calcmode="lin" valueType="num">
-                                      <p:cBhvr>
-                                        <p:cTn id="87" dur="700" fill="hold">
-                                          <p:stCondLst>
-                                            <p:cond delay="0"/>
-                                          </p:stCondLst>
-                                        </p:cTn>
-                                        <p:tgtEl>
-                                          <p:spTgt spid="53"/>
-                                        </p:tgtEl>
-                                        <p:attrNameLst>
-                                          <p:attrName>ppt_h</p:attrName>
-                                        </p:attrNameLst>
-                                      </p:cBhvr>
-                                      <p:tavLst>
-                                        <p:tav tm="0" fmla="#ppt_h-(-#ppt_h)*((1.5-1.5*$)^2-(1.5-1.5*$)^3)">
-                                          <p:val>
-                                            <p:fltVal val="0"/>
-                                          </p:val>
-                                        </p:tav>
-                                        <p:tav tm="100000">
-                                          <p:val>
-                                            <p:fltVal val="1"/>
-                                          </p:val>
-                                        </p:tav>
-                                      </p:tavLst>
-                                    </p:anim>
-                                    <p:anim to="" calcmode="lin" valueType="num">
-                                      <p:cBhvr>
-                                        <p:cTn id="88" dur="700" fill="hold">
-                                          <p:stCondLst>
-                                            <p:cond delay="0"/>
-                                          </p:stCondLst>
-                                        </p:cTn>
-                                        <p:tgtEl>
-                                          <p:spTgt spid="53"/>
-                                        </p:tgtEl>
-                                        <p:attrNameLst>
-                                          <p:attrName>ppt_w</p:attrName>
-                                        </p:attrNameLst>
-                                      </p:cBhvr>
-                                      <p:tavLst>
-                                        <p:tav tm="0" fmla="#ppt_w-(-#ppt_w)*((1.5-1.5*$)^2-(1.5-1.5*$)^3)">
-                                          <p:val>
-                                            <p:fltVal val="0"/>
-                                          </p:val>
-                                        </p:tav>
-                                        <p:tav tm="100000">
-                                          <p:val>
-                                            <p:fltVal val="1"/>
-                                          </p:val>
-                                        </p:tav>
-                                      </p:tavLst>
-                                    </p:anim>
-                                  </p:childTnLst>
-                                </p:cTn>
-                              </p:par>
-                              <p:par>
-                                <p:cTn id="89" presetID="0" presetClass="entr" presetSubtype="0" fill="hold" grpId="0" nodeType="withEffect">
-                                  <p:stCondLst>
-                                    <p:cond delay="0"/>
-                                  </p:stCondLst>
-                                  <p:childTnLst>
-                                    <p:set>
-                                      <p:cBhvr>
-                                        <p:cTn id="90" dur="1" fill="hold">
-                                          <p:stCondLst>
-                                            <p:cond delay="0"/>
-                                          </p:stCondLst>
-                                        </p:cTn>
-                                        <p:tgtEl>
-                                          <p:spTgt spid="3"/>
-                                        </p:tgtEl>
-                                        <p:attrNameLst>
-                                          <p:attrName>style.visibility</p:attrName>
-                                        </p:attrNameLst>
-                                      </p:cBhvr>
-                                      <p:to>
-                                        <p:strVal val="visible"/>
-                                      </p:to>
-                                    </p:set>
-                                    <p:anim to="" calcmode="lin" valueType="num">
-                                      <p:cBhvr>
-                                        <p:cTn id="91" dur="700" fill="hold">
-                                          <p:stCondLst>
-                                            <p:cond delay="0"/>
-                                          </p:stCondLst>
-                                        </p:cTn>
-                                        <p:tgtEl>
-                                          <p:spTgt spid="3"/>
-                                        </p:tgtEl>
-                                        <p:attrNameLst>
-                                          <p:attrName>ppt_x</p:attrName>
-                                        </p:attrNameLst>
-                                      </p:cBhvr>
-                                      <p:tavLst>
-                                        <p:tav tm="0" fmla="#ppt_x-(-#ppt_w/2*cos(ppt_r/180*pi))*((1.5-1.5*$)^2-(1.5-1.5*$)^3)">
-                                          <p:val>
-                                            <p:fltVal val="0"/>
-                                          </p:val>
-                                        </p:tav>
-                                        <p:tav tm="100000">
-                                          <p:val>
-                                            <p:fltVal val="1"/>
-                                          </p:val>
-                                        </p:tav>
-                                      </p:tavLst>
-                                    </p:anim>
-                                    <p:anim to="" calcmode="lin" valueType="num">
-                                      <p:cBhvr>
-                                        <p:cTn id="92" dur="700" fill="hold">
-                                          <p:stCondLst>
-                                            <p:cond delay="0"/>
-                                          </p:stCondLst>
-                                        </p:cTn>
-                                        <p:tgtEl>
-                                          <p:spTgt spid="3"/>
-                                        </p:tgtEl>
-                                        <p:attrNameLst>
-                                          <p:attrName>ppt_y</p:attrName>
-                                        </p:attrNameLst>
-                                      </p:cBhvr>
-                                      <p:tavLst>
-                                        <p:tav tm="0" fmla="#ppt_y+(-#ppt_h/2*cos(ppt_r/180*pi))*((1.5-1.5*$)^2-(1.5-1.5*$)^3)">
-                                          <p:val>
-                                            <p:fltVal val="0"/>
-                                          </p:val>
-                                        </p:tav>
-                                        <p:tav tm="100000">
-                                          <p:val>
-                                            <p:fltVal val="1"/>
-                                          </p:val>
-                                        </p:tav>
-                                      </p:tavLst>
-                                    </p:anim>
-                                    <p:anim to="" calcmode="lin" valueType="num">
-                                      <p:cBhvr>
-                                        <p:cTn id="93" dur="700" fill="hold">
-                                          <p:stCondLst>
-                                            <p:cond delay="0"/>
-                                          </p:stCondLst>
-                                        </p:cTn>
-                                        <p:tgtEl>
-                                          <p:spTgt spid="3"/>
-                                        </p:tgtEl>
-                                        <p:attrNameLst>
-                                          <p:attrName>ppt_h</p:attrName>
-                                        </p:attrNameLst>
-                                      </p:cBhvr>
-                                      <p:tavLst>
-                                        <p:tav tm="0" fmla="#ppt_h-(-#ppt_h)*((1.5-1.5*$)^2-(1.5-1.5*$)^3)">
-                                          <p:val>
-                                            <p:fltVal val="0"/>
-                                          </p:val>
-                                        </p:tav>
-                                        <p:tav tm="100000">
-                                          <p:val>
-                                            <p:fltVal val="1"/>
-                                          </p:val>
-                                        </p:tav>
-                                      </p:tavLst>
-                                    </p:anim>
-                                    <p:anim to="" calcmode="lin" valueType="num">
-                                      <p:cBhvr>
-                                        <p:cTn id="94" dur="700" fill="hold">
-                                          <p:stCondLst>
-                                            <p:cond delay="0"/>
-                                          </p:stCondLst>
-                                        </p:cTn>
-                                        <p:tgtEl>
-                                          <p:spTgt spid="3"/>
-                                        </p:tgtEl>
-                                        <p:attrNameLst>
-                                          <p:attrName>ppt_w</p:attrName>
-                                        </p:attrNameLst>
-                                      </p:cBhvr>
-                                      <p:tavLst>
-                                        <p:tav tm="0" fmla="#ppt_w-(-#ppt_w)*((1.5-1.5*$)^2-(1.5-1.5*$)^3)">
-                                          <p:val>
-                                            <p:fltVal val="0"/>
-                                          </p:val>
-                                        </p:tav>
-                                        <p:tav tm="100000">
-                                          <p:val>
-                                            <p:fltVal val="1"/>
-                                          </p:val>
-                                        </p:tav>
-                                      </p:tavLst>
-                                    </p:anim>
-                                  </p:childTnLst>
-                                </p:cTn>
-                              </p:par>
-                              <p:par>
-                                <p:cTn id="95" presetID="0" presetClass="entr" presetSubtype="0" fill="hold" nodeType="withEffect">
-                                  <p:stCondLst>
-                                    <p:cond delay="0"/>
-                                  </p:stCondLst>
-                                  <p:iterate type="lt">
-                                    <p:tmPct val="10000"/>
-                                  </p:iterate>
-                                  <p:childTnLst>
-                                    <p:set>
-                                      <p:cBhvr>
-                                        <p:cTn id="96" dur="1" fill="hold">
-                                          <p:stCondLst>
-                                            <p:cond delay="0"/>
-                                          </p:stCondLst>
-                                        </p:cTn>
-                                        <p:tgtEl>
-                                          <p:spTgt spid="9"/>
-                                        </p:tgtEl>
-                                        <p:attrNameLst>
-                                          <p:attrName>style.visibility</p:attrName>
-                                        </p:attrNameLst>
-                                      </p:cBhvr>
-                                      <p:to>
-                                        <p:strVal val="visible"/>
-                                      </p:to>
-                                    </p:set>
-                                    <p:anim to="" calcmode="lin" valueType="num">
-                                      <p:cBhvr>
-                                        <p:cTn id="97" dur="700" fill="hold">
-                                          <p:stCondLst>
-                                            <p:cond delay="0"/>
-                                          </p:stCondLst>
-                                        </p:cTn>
-                                        <p:tgtEl>
-                                          <p:spTgt spid="9"/>
-                                        </p:tgtEl>
-                                        <p:attrNameLst>
-                                          <p:attrName>ppt_x</p:attrName>
-                                        </p:attrNameLst>
-                                      </p:cBhvr>
-                                      <p:tavLst>
-                                        <p:tav tm="0" fmla="#ppt_x-(-#ppt_w/2*cos(ppt_r/180*pi))*((1.5-1.5*$)^2-(1.5-1.5*$)^3)">
-                                          <p:val>
-                                            <p:fltVal val="0"/>
-                                          </p:val>
-                                        </p:tav>
-                                        <p:tav tm="100000">
-                                          <p:val>
-                                            <p:fltVal val="1"/>
-                                          </p:val>
-                                        </p:tav>
-                                      </p:tavLst>
-                                    </p:anim>
-                                    <p:anim to="" calcmode="lin" valueType="num">
-                                      <p:cBhvr>
-                                        <p:cTn id="98" dur="700" fill="hold">
-                                          <p:stCondLst>
-                                            <p:cond delay="0"/>
-                                          </p:stCondLst>
-                                        </p:cTn>
-                                        <p:tgtEl>
-                                          <p:spTgt spid="9"/>
-                                        </p:tgtEl>
-                                        <p:attrNameLst>
-                                          <p:attrName>ppt_y</p:attrName>
-                                        </p:attrNameLst>
-                                      </p:cBhvr>
-                                      <p:tavLst>
-                                        <p:tav tm="0" fmla="#ppt_y+(-#ppt_h/2*cos(ppt_r/180*pi))*((1.5-1.5*$)^2-(1.5-1.5*$)^3)">
-                                          <p:val>
-                                            <p:fltVal val="0"/>
-                                          </p:val>
-                                        </p:tav>
-                                        <p:tav tm="100000">
-                                          <p:val>
-                                            <p:fltVal val="1"/>
-                                          </p:val>
-                                        </p:tav>
-                                      </p:tavLst>
-                                    </p:anim>
-                                    <p:anim to="" calcmode="lin" valueType="num">
-                                      <p:cBhvr>
-                                        <p:cTn id="99" dur="700" fill="hold">
-                                          <p:stCondLst>
-                                            <p:cond delay="0"/>
-                                          </p:stCondLst>
-                                        </p:cTn>
-                                        <p:tgtEl>
-                                          <p:spTgt spid="9"/>
-                                        </p:tgtEl>
-                                        <p:attrNameLst>
-                                          <p:attrName>ppt_h</p:attrName>
-                                        </p:attrNameLst>
-                                      </p:cBhvr>
-                                      <p:tavLst>
-                                        <p:tav tm="0" fmla="#ppt_h-(-#ppt_h)*((1.5-1.5*$)^2-(1.5-1.5*$)^3)">
-                                          <p:val>
-                                            <p:fltVal val="0"/>
-                                          </p:val>
-                                        </p:tav>
-                                        <p:tav tm="100000">
-                                          <p:val>
-                                            <p:fltVal val="1"/>
-                                          </p:val>
-                                        </p:tav>
-                                      </p:tavLst>
-                                    </p:anim>
-                                    <p:anim to="" calcmode="lin" valueType="num">
-                                      <p:cBhvr>
-                                        <p:cTn id="100" dur="700" fill="hold">
-                                          <p:stCondLst>
-                                            <p:cond delay="0"/>
-                                          </p:stCondLst>
-                                        </p:cTn>
-                                        <p:tgtEl>
-                                          <p:spTgt spid="9"/>
-                                        </p:tgtEl>
-                                        <p:attrNameLst>
-                                          <p:attrName>ppt_w</p:attrName>
-                                        </p:attrNameLst>
-                                      </p:cBhvr>
-                                      <p:tavLst>
-                                        <p:tav tm="0" fmla="#ppt_w-(-#ppt_w)*((1.5-1.5*$)^2-(1.5-1.5*$)^3)">
-                                          <p:val>
-                                            <p:fltVal val="0"/>
-                                          </p:val>
-                                        </p:tav>
-                                        <p:tav tm="100000">
-                                          <p:val>
-                                            <p:fltVal val="1"/>
-                                          </p:val>
-                                        </p:tav>
-                                      </p:tavLst>
-                                    </p:anim>
-                                  </p:childTnLst>
-                                </p:cTn>
-                              </p:par>
-                              <p:par>
-                                <p:cTn id="101" presetID="0" presetClass="entr" presetSubtype="0" fill="hold" grpId="0" nodeType="withEffect">
-                                  <p:stCondLst>
-                                    <p:cond delay="0"/>
-                                  </p:stCondLst>
-                                  <p:iterate type="lt">
-                                    <p:tmPct val="10000"/>
-                                  </p:iterate>
-                                  <p:childTnLst>
-                                    <p:set>
-                                      <p:cBhvr>
-                                        <p:cTn id="102" dur="1" fill="hold">
-                                          <p:stCondLst>
-                                            <p:cond delay="0"/>
-                                          </p:stCondLst>
-                                        </p:cTn>
-                                        <p:tgtEl>
-                                          <p:spTgt spid="12"/>
-                                        </p:tgtEl>
-                                        <p:attrNameLst>
-                                          <p:attrName>style.visibility</p:attrName>
-                                        </p:attrNameLst>
-                                      </p:cBhvr>
-                                      <p:to>
-                                        <p:strVal val="visible"/>
-                                      </p:to>
-                                    </p:set>
-                                    <p:anim to="" calcmode="lin" valueType="num">
-                                      <p:cBhvr>
-                                        <p:cTn id="103" dur="700" fill="hold">
-                                          <p:stCondLst>
-                                            <p:cond delay="0"/>
-                                          </p:stCondLst>
-                                        </p:cTn>
-                                        <p:tgtEl>
-                                          <p:spTgt spid="12"/>
-                                        </p:tgtEl>
-                                        <p:attrNameLst>
-                                          <p:attrName>ppt_x</p:attrName>
-                                        </p:attrNameLst>
-                                      </p:cBhvr>
-                                      <p:tavLst>
-                                        <p:tav tm="0" fmla="#ppt_x-(-#ppt_w/2*cos(ppt_r/180*pi))*((1.5-1.5*$)^2-(1.5-1.5*$)^3)">
-                                          <p:val>
-                                            <p:fltVal val="0"/>
-                                          </p:val>
-                                        </p:tav>
-                                        <p:tav tm="100000">
-                                          <p:val>
-                                            <p:fltVal val="1"/>
-                                          </p:val>
-                                        </p:tav>
-                                      </p:tavLst>
-                                    </p:anim>
-                                    <p:anim to="" calcmode="lin" valueType="num">
-                                      <p:cBhvr>
-                                        <p:cTn id="104" dur="700" fill="hold">
-                                          <p:stCondLst>
-                                            <p:cond delay="0"/>
-                                          </p:stCondLst>
-                                        </p:cTn>
-                                        <p:tgtEl>
-                                          <p:spTgt spid="12"/>
-                                        </p:tgtEl>
-                                        <p:attrNameLst>
-                                          <p:attrName>ppt_y</p:attrName>
-                                        </p:attrNameLst>
-                                      </p:cBhvr>
-                                      <p:tavLst>
-                                        <p:tav tm="0" fmla="#ppt_y+(-#ppt_h/2*cos(ppt_r/180*pi))*((1.5-1.5*$)^2-(1.5-1.5*$)^3)">
-                                          <p:val>
-                                            <p:fltVal val="0"/>
-                                          </p:val>
-                                        </p:tav>
-                                        <p:tav tm="100000">
-                                          <p:val>
-                                            <p:fltVal val="1"/>
-                                          </p:val>
-                                        </p:tav>
-                                      </p:tavLst>
-                                    </p:anim>
-                                    <p:anim to="" calcmode="lin" valueType="num">
-                                      <p:cBhvr>
-                                        <p:cTn id="105" dur="700" fill="hold">
-                                          <p:stCondLst>
-                                            <p:cond delay="0"/>
-                                          </p:stCondLst>
-                                        </p:cTn>
-                                        <p:tgtEl>
-                                          <p:spTgt spid="12"/>
-                                        </p:tgtEl>
-                                        <p:attrNameLst>
-                                          <p:attrName>ppt_h</p:attrName>
-                                        </p:attrNameLst>
-                                      </p:cBhvr>
-                                      <p:tavLst>
-                                        <p:tav tm="0" fmla="#ppt_h-(-#ppt_h)*((1.5-1.5*$)^2-(1.5-1.5*$)^3)">
-                                          <p:val>
-                                            <p:fltVal val="0"/>
-                                          </p:val>
-                                        </p:tav>
-                                        <p:tav tm="100000">
-                                          <p:val>
-                                            <p:fltVal val="1"/>
-                                          </p:val>
-                                        </p:tav>
-                                      </p:tavLst>
-                                    </p:anim>
-                                    <p:anim to="" calcmode="lin" valueType="num">
-                                      <p:cBhvr>
-                                        <p:cTn id="106" dur="700" fill="hold">
-                                          <p:stCondLst>
-                                            <p:cond delay="0"/>
-                                          </p:stCondLst>
-                                        </p:cTn>
-                                        <p:tgtEl>
-                                          <p:spTgt spid="12"/>
-                                        </p:tgtEl>
-                                        <p:attrNameLst>
-                                          <p:attrName>ppt_w</p:attrName>
-                                        </p:attrNameLst>
-                                      </p:cBhvr>
-                                      <p:tavLst>
-                                        <p:tav tm="0" fmla="#ppt_w-(-#ppt_w)*((1.5-1.5*$)^2-(1.5-1.5*$)^3)">
-                                          <p:val>
-                                            <p:fltVal val="0"/>
-                                          </p:val>
-                                        </p:tav>
-                                        <p:tav tm="100000">
-                                          <p:val>
-                                            <p:fltVal val="1"/>
-                                          </p:val>
-                                        </p:tav>
-                                      </p:tavLst>
-                                    </p:anim>
-                                  </p:childTnLst>
-                                </p:cTn>
-                              </p:par>
-                              <p:par>
-                                <p:cTn id="107" presetID="0" presetClass="entr" presetSubtype="0" fill="hold" grpId="0" nodeType="withEffect">
-                                  <p:stCondLst>
-                                    <p:cond delay="0"/>
-                                  </p:stCondLst>
-                                  <p:iterate type="lt">
-                                    <p:tmPct val="10000"/>
-                                  </p:iterate>
-                                  <p:childTnLst>
-                                    <p:set>
-                                      <p:cBhvr>
-                                        <p:cTn id="108" dur="1" fill="hold">
-                                          <p:stCondLst>
-                                            <p:cond delay="0"/>
-                                          </p:stCondLst>
-                                        </p:cTn>
-                                        <p:tgtEl>
-                                          <p:spTgt spid="13"/>
-                                        </p:tgtEl>
-                                        <p:attrNameLst>
-                                          <p:attrName>style.visibility</p:attrName>
-                                        </p:attrNameLst>
-                                      </p:cBhvr>
-                                      <p:to>
-                                        <p:strVal val="visible"/>
-                                      </p:to>
-                                    </p:set>
-                                    <p:anim to="" calcmode="lin" valueType="num">
-                                      <p:cBhvr>
-                                        <p:cTn id="109" dur="700" fill="hold">
-                                          <p:stCondLst>
-                                            <p:cond delay="0"/>
-                                          </p:stCondLst>
-                                        </p:cTn>
-                                        <p:tgtEl>
                                           <p:spTgt spid="13"/>
                                         </p:tgtEl>
                                         <p:attrNameLst>
@@ -22755,7 +20131,7 @@
                                     </p:anim>
                                     <p:anim to="" calcmode="lin" valueType="num">
                                       <p:cBhvr>
-                                        <p:cTn id="110" dur="700" fill="hold">
+                                        <p:cTn id="86" dur="700" fill="hold">
                                           <p:stCondLst>
                                             <p:cond delay="0"/>
                                           </p:stCondLst>
@@ -22782,7 +20158,7 @@
                                     </p:anim>
                                     <p:anim to="" calcmode="lin" valueType="num">
                                       <p:cBhvr>
-                                        <p:cTn id="111" dur="700" fill="hold">
+                                        <p:cTn id="87" dur="700" fill="hold">
                                           <p:stCondLst>
                                             <p:cond delay="0"/>
                                           </p:stCondLst>
@@ -22809,7 +20185,7 @@
                                     </p:anim>
                                     <p:anim to="" calcmode="lin" valueType="num">
                                       <p:cBhvr>
-                                        <p:cTn id="112" dur="700" fill="hold">
+                                        <p:cTn id="88" dur="700" fill="hold">
                                           <p:stCondLst>
                                             <p:cond delay="0"/>
                                           </p:stCondLst>
@@ -22866,11 +20242,8 @@
     </p:tnLst>
     <p:bldLst>
       <p:bldP spid="36" grpId="0"/>
-      <p:bldP spid="70" grpId="0" bldLvl="0" animBg="1"/>
       <p:bldP spid="73" grpId="0" bldLvl="0" animBg="1"/>
-      <p:bldP spid="60" grpId="0"/>
       <p:bldP spid="61" grpId="0"/>
-      <p:bldP spid="65" grpId="0"/>
       <p:bldP spid="66" grpId="0"/>
       <p:bldP spid="43" grpId="0" bldLvl="0" animBg="1"/>
       <p:bldP spid="51" grpId="0" animBg="1" autoUpdateAnimBg="0"/>
@@ -22883,7 +20256,7 @@
 </p:sld>
 </file>
 
-<file path=ppt/slides/slide6.xml><?xml version="1.0" encoding="utf-8"?>
+<file path=ppt/slides/slide5.xml><?xml version="1.0" encoding="utf-8"?>
 <p:sld xmlns:a="http://schemas.openxmlformats.org/drawingml/2006/main" xmlns:r="http://schemas.openxmlformats.org/officeDocument/2006/relationships" xmlns:p="http://schemas.openxmlformats.org/presentationml/2006/main">
   <p:cSld>
     <p:spTree>
@@ -23682,7 +21055,7 @@
 </p:sld>
 </file>
 
-<file path=ppt/slides/slide7.xml><?xml version="1.0" encoding="utf-8"?>
+<file path=ppt/slides/slide6.xml><?xml version="1.0" encoding="utf-8"?>
 <p:sld xmlns:a="http://schemas.openxmlformats.org/drawingml/2006/main" xmlns:r="http://schemas.openxmlformats.org/officeDocument/2006/relationships" xmlns:p="http://schemas.openxmlformats.org/presentationml/2006/main">
   <p:cSld>
     <p:spTree>
@@ -24510,6 +21883,756 @@
 </p:sld>
 </file>
 
+<file path=ppt/slides/slide7.xml><?xml version="1.0" encoding="utf-8"?>
+<p:sld xmlns:a="http://schemas.openxmlformats.org/drawingml/2006/main" xmlns:r="http://schemas.openxmlformats.org/officeDocument/2006/relationships" xmlns:p="http://schemas.openxmlformats.org/presentationml/2006/main">
+  <p:cSld>
+    <p:spTree>
+      <p:nvGrpSpPr>
+        <p:cNvPr id="1" name=""/>
+        <p:cNvGrpSpPr/>
+        <p:nvPr/>
+      </p:nvGrpSpPr>
+      <p:grpSpPr>
+        <a:xfrm>
+          <a:off x="0" y="0"/>
+          <a:ext cx="0" cy="0"/>
+          <a:chOff x="0" y="0"/>
+          <a:chExt cx="0" cy="0"/>
+        </a:xfrm>
+      </p:grpSpPr>
+      <p:grpSp>
+        <p:nvGrpSpPr>
+          <p:cNvPr id="2" name="PA_组合 47"/>
+          <p:cNvGrpSpPr/>
+          <p:nvPr>
+            <p:custDataLst>
+              <p:tags r:id="rId1"/>
+            </p:custDataLst>
+          </p:nvPr>
+        </p:nvGrpSpPr>
+        <p:grpSpPr>
+          <a:xfrm>
+            <a:off x="554877" y="932724"/>
+            <a:ext cx="1199456" cy="74689"/>
+            <a:chOff x="0" y="2842590"/>
+            <a:chExt cx="7054752" cy="89199"/>
+          </a:xfrm>
+        </p:grpSpPr>
+        <p:sp>
+          <p:nvSpPr>
+            <p:cNvPr id="49" name="矩形 48"/>
+            <p:cNvSpPr/>
+            <p:nvPr/>
+          </p:nvSpPr>
+          <p:spPr>
+            <a:xfrm>
+              <a:off x="0" y="2842590"/>
+              <a:ext cx="1763688" cy="89199"/>
+            </a:xfrm>
+            <a:prstGeom prst="rect">
+              <a:avLst/>
+            </a:prstGeom>
+            <a:solidFill>
+              <a:schemeClr val="accent1"/>
+            </a:solidFill>
+            <a:ln>
+              <a:noFill/>
+            </a:ln>
+          </p:spPr>
+          <p:style>
+            <a:lnRef idx="2">
+              <a:schemeClr val="accent1">
+                <a:shade val="50000"/>
+              </a:schemeClr>
+            </a:lnRef>
+            <a:fillRef idx="1">
+              <a:schemeClr val="accent1"/>
+            </a:fillRef>
+            <a:effectRef idx="0">
+              <a:schemeClr val="accent1"/>
+            </a:effectRef>
+            <a:fontRef idx="minor">
+              <a:schemeClr val="lt1"/>
+            </a:fontRef>
+          </p:style>
+          <p:txBody>
+            <a:bodyPr rtlCol="0" anchor="ctr"/>
+            <a:lstStyle/>
+            <a:p>
+              <a:pPr algn="ctr" defTabSz="1218565"/>
+              <a:endParaRPr lang="zh-CN" altLang="en-US" sz="2400">
+                <a:solidFill>
+                  <a:srgbClr val="FFFFFF"/>
+                </a:solidFill>
+                <a:latin typeface="Calibri" panose="020F0502020204030204"/>
+                <a:ea typeface="宋体" panose="02010600030101010101" pitchFamily="2" charset="-122"/>
+              </a:endParaRPr>
+            </a:p>
+          </p:txBody>
+        </p:sp>
+        <p:sp>
+          <p:nvSpPr>
+            <p:cNvPr id="50" name="矩形 49"/>
+            <p:cNvSpPr/>
+            <p:nvPr/>
+          </p:nvSpPr>
+          <p:spPr>
+            <a:xfrm>
+              <a:off x="1763688" y="2842590"/>
+              <a:ext cx="1763688" cy="89199"/>
+            </a:xfrm>
+            <a:prstGeom prst="rect">
+              <a:avLst/>
+            </a:prstGeom>
+            <a:solidFill>
+              <a:schemeClr val="accent2"/>
+            </a:solidFill>
+            <a:ln>
+              <a:noFill/>
+            </a:ln>
+          </p:spPr>
+          <p:style>
+            <a:lnRef idx="2">
+              <a:schemeClr val="accent1">
+                <a:shade val="50000"/>
+              </a:schemeClr>
+            </a:lnRef>
+            <a:fillRef idx="1">
+              <a:schemeClr val="accent1"/>
+            </a:fillRef>
+            <a:effectRef idx="0">
+              <a:schemeClr val="accent1"/>
+            </a:effectRef>
+            <a:fontRef idx="minor">
+              <a:schemeClr val="lt1"/>
+            </a:fontRef>
+          </p:style>
+          <p:txBody>
+            <a:bodyPr rtlCol="0" anchor="ctr"/>
+            <a:lstStyle/>
+            <a:p>
+              <a:pPr algn="ctr" defTabSz="1218565"/>
+              <a:endParaRPr lang="zh-CN" altLang="en-US" sz="2400">
+                <a:solidFill>
+                  <a:srgbClr val="FFFFFF"/>
+                </a:solidFill>
+                <a:latin typeface="Calibri" panose="020F0502020204030204"/>
+                <a:ea typeface="宋体" panose="02010600030101010101" pitchFamily="2" charset="-122"/>
+              </a:endParaRPr>
+            </a:p>
+          </p:txBody>
+        </p:sp>
+        <p:sp>
+          <p:nvSpPr>
+            <p:cNvPr id="51" name="矩形 50"/>
+            <p:cNvSpPr/>
+            <p:nvPr/>
+          </p:nvSpPr>
+          <p:spPr>
+            <a:xfrm>
+              <a:off x="3527376" y="2842590"/>
+              <a:ext cx="1763688" cy="89199"/>
+            </a:xfrm>
+            <a:prstGeom prst="rect">
+              <a:avLst/>
+            </a:prstGeom>
+            <a:solidFill>
+              <a:schemeClr val="accent3"/>
+            </a:solidFill>
+            <a:ln>
+              <a:noFill/>
+            </a:ln>
+          </p:spPr>
+          <p:style>
+            <a:lnRef idx="2">
+              <a:schemeClr val="accent1">
+                <a:shade val="50000"/>
+              </a:schemeClr>
+            </a:lnRef>
+            <a:fillRef idx="1">
+              <a:schemeClr val="accent1"/>
+            </a:fillRef>
+            <a:effectRef idx="0">
+              <a:schemeClr val="accent1"/>
+            </a:effectRef>
+            <a:fontRef idx="minor">
+              <a:schemeClr val="lt1"/>
+            </a:fontRef>
+          </p:style>
+          <p:txBody>
+            <a:bodyPr rtlCol="0" anchor="ctr"/>
+            <a:lstStyle/>
+            <a:p>
+              <a:pPr algn="ctr" defTabSz="1218565"/>
+              <a:endParaRPr lang="zh-CN" altLang="en-US" sz="2400">
+                <a:solidFill>
+                  <a:srgbClr val="FFFFFF"/>
+                </a:solidFill>
+                <a:latin typeface="Calibri" panose="020F0502020204030204"/>
+                <a:ea typeface="宋体" panose="02010600030101010101" pitchFamily="2" charset="-122"/>
+              </a:endParaRPr>
+            </a:p>
+          </p:txBody>
+        </p:sp>
+        <p:sp>
+          <p:nvSpPr>
+            <p:cNvPr id="52" name="矩形 51"/>
+            <p:cNvSpPr/>
+            <p:nvPr/>
+          </p:nvSpPr>
+          <p:spPr>
+            <a:xfrm>
+              <a:off x="5291064" y="2842590"/>
+              <a:ext cx="1763688" cy="89199"/>
+            </a:xfrm>
+            <a:prstGeom prst="rect">
+              <a:avLst/>
+            </a:prstGeom>
+            <a:solidFill>
+              <a:schemeClr val="accent4"/>
+            </a:solidFill>
+            <a:ln>
+              <a:noFill/>
+            </a:ln>
+          </p:spPr>
+          <p:style>
+            <a:lnRef idx="2">
+              <a:schemeClr val="accent1">
+                <a:shade val="50000"/>
+              </a:schemeClr>
+            </a:lnRef>
+            <a:fillRef idx="1">
+              <a:schemeClr val="accent1"/>
+            </a:fillRef>
+            <a:effectRef idx="0">
+              <a:schemeClr val="accent1"/>
+            </a:effectRef>
+            <a:fontRef idx="minor">
+              <a:schemeClr val="lt1"/>
+            </a:fontRef>
+          </p:style>
+          <p:txBody>
+            <a:bodyPr rtlCol="0" anchor="ctr"/>
+            <a:lstStyle/>
+            <a:p>
+              <a:pPr algn="ctr" defTabSz="1218565"/>
+              <a:endParaRPr lang="zh-CN" altLang="en-US" sz="2400">
+                <a:solidFill>
+                  <a:srgbClr val="FFFFFF"/>
+                </a:solidFill>
+                <a:latin typeface="Calibri" panose="020F0502020204030204"/>
+                <a:ea typeface="宋体" panose="02010600030101010101" pitchFamily="2" charset="-122"/>
+              </a:endParaRPr>
+            </a:p>
+          </p:txBody>
+        </p:sp>
+      </p:grpSp>
+      <p:sp>
+        <p:nvSpPr>
+          <p:cNvPr id="13" name="PA_矩形 39"/>
+          <p:cNvSpPr>
+            <a:spLocks noChangeArrowheads="1"/>
+          </p:cNvSpPr>
+          <p:nvPr>
+            <p:custDataLst>
+              <p:tags r:id="rId2"/>
+            </p:custDataLst>
+          </p:nvPr>
+        </p:nvSpPr>
+        <p:spPr bwMode="auto">
+          <a:xfrm>
+            <a:off x="554990" y="370840"/>
+            <a:ext cx="6621780" cy="410210"/>
+          </a:xfrm>
+          <a:prstGeom prst="rect">
+            <a:avLst/>
+          </a:prstGeom>
+          <a:noFill/>
+          <a:ln>
+            <a:noFill/>
+          </a:ln>
+          <a:extLst>
+            <a:ext uri="{909E8E84-426E-40DD-AFC4-6F175D3DCCD1}">
+              <a14:hiddenFill xmlns:a14="http://schemas.microsoft.com/office/drawing/2010/main">
+                <a:solidFill>
+                  <a:srgbClr val="FFFFFF"/>
+                </a:solidFill>
+              </a14:hiddenFill>
+            </a:ext>
+            <a:ext uri="{91240B29-F687-4F45-9708-019B960494DF}">
+              <a14:hiddenLine xmlns:a14="http://schemas.microsoft.com/office/drawing/2010/main" w="9525">
+                <a:solidFill>
+                  <a:srgbClr val="000000"/>
+                </a:solidFill>
+                <a:miter lim="800000"/>
+                <a:headEnd/>
+                <a:tailEnd/>
+              </a14:hiddenLine>
+            </a:ext>
+          </a:extLst>
+        </p:spPr>
+        <p:txBody>
+          <a:bodyPr wrap="square" lIns="0" tIns="0" rIns="0" bIns="0">
+            <a:spAutoFit/>
+          </a:bodyPr>
+          <a:lstStyle/>
+          <a:p>
+            <a:pPr defTabSz="1218565"/>
+            <a:r>
+              <a:rPr lang="zh-CN" altLang="en-US" sz="2665" dirty="0" smtClean="0">
+                <a:solidFill>
+                  <a:srgbClr val="1D69A3"/>
+                </a:solidFill>
+                <a:latin typeface="微软雅黑" panose="020B0503020204020204" pitchFamily="34" charset="-122"/>
+                <a:ea typeface="微软雅黑" panose="020B0503020204020204" pitchFamily="34" charset="-122"/>
+              </a:rPr>
+              <a:t>代码中的元素结构</a:t>
+            </a:r>
+            <a:endParaRPr lang="zh-CN" altLang="en-US" sz="2665" dirty="0" smtClean="0">
+              <a:solidFill>
+                <a:srgbClr val="1D69A3"/>
+              </a:solidFill>
+              <a:latin typeface="微软雅黑" panose="020B0503020204020204" pitchFamily="34" charset="-122"/>
+              <a:ea typeface="微软雅黑" panose="020B0503020204020204" pitchFamily="34" charset="-122"/>
+            </a:endParaRPr>
+          </a:p>
+        </p:txBody>
+      </p:sp>
+      <p:cxnSp>
+        <p:nvCxnSpPr>
+          <p:cNvPr id="17" name="直接连接符 2"/>
+          <p:cNvCxnSpPr>
+            <a:cxnSpLocks noChangeShapeType="1"/>
+          </p:cNvCxnSpPr>
+          <p:nvPr/>
+        </p:nvCxnSpPr>
+        <p:spPr bwMode="auto">
+          <a:xfrm flipV="1">
+            <a:off x="-44609" y="1060219"/>
+            <a:ext cx="12188825" cy="50801"/>
+          </a:xfrm>
+          <a:prstGeom prst="line">
+            <a:avLst/>
+          </a:prstGeom>
+          <a:noFill/>
+          <a:ln w="9525" algn="ctr">
+            <a:solidFill>
+              <a:srgbClr val="00B0F0">
+                <a:alpha val="34117"/>
+              </a:srgbClr>
+            </a:solidFill>
+            <a:prstDash val="dash"/>
+            <a:round/>
+          </a:ln>
+        </p:spPr>
+      </p:cxnSp>
+      <p:pic>
+        <p:nvPicPr>
+          <p:cNvPr id="3" name="图片 2" descr="A%SJBI5U(7}KORS%G%~1TQ3"/>
+          <p:cNvPicPr>
+            <a:picLocks noChangeAspect="1"/>
+          </p:cNvPicPr>
+          <p:nvPr/>
+        </p:nvPicPr>
+        <p:blipFill>
+          <a:blip r:embed="rId3"/>
+          <a:stretch>
+            <a:fillRect/>
+          </a:stretch>
+        </p:blipFill>
+        <p:spPr>
+          <a:xfrm>
+            <a:off x="2411095" y="1630680"/>
+            <a:ext cx="7790180" cy="2419350"/>
+          </a:xfrm>
+          <a:prstGeom prst="rect">
+            <a:avLst/>
+          </a:prstGeom>
+        </p:spPr>
+      </p:pic>
+      <p:sp>
+        <p:nvSpPr>
+          <p:cNvPr id="4" name="文本框 3"/>
+          <p:cNvSpPr txBox="1"/>
+          <p:nvPr/>
+        </p:nvSpPr>
+        <p:spPr>
+          <a:xfrm>
+            <a:off x="2411095" y="4789170"/>
+            <a:ext cx="9007475" cy="645160"/>
+          </a:xfrm>
+          <a:prstGeom prst="rect">
+            <a:avLst/>
+          </a:prstGeom>
+          <a:noFill/>
+        </p:spPr>
+        <p:txBody>
+          <a:bodyPr wrap="square" rtlCol="0" anchor="t">
+            <a:spAutoFit/>
+          </a:bodyPr>
+          <a:p>
+            <a:r>
+              <a:rPr lang="en-US" altLang="zh-CN"/>
+              <a:t>API</a:t>
+            </a:r>
+            <a:r>
+              <a:rPr lang="zh-CN" altLang="en-US"/>
+              <a:t>文档地址：http://tool.oschina.net/uploads/apidocs/jdk-zh/javax/lang/model/element/Element.html</a:t>
+            </a:r>
+            <a:endParaRPr lang="zh-CN" altLang="en-US"/>
+          </a:p>
+        </p:txBody>
+      </p:sp>
+    </p:spTree>
+  </p:cSld>
+  <p:clrMapOvr>
+    <a:masterClrMapping/>
+  </p:clrMapOvr>
+  <mc:AlternateContent xmlns:mc="http://schemas.openxmlformats.org/markup-compatibility/2006">
+    <mc:Choice xmlns:p14="http://schemas.microsoft.com/office/powerpoint/2010/main" Requires="p14">
+      <p:transition spd="slow" p14:dur="1500">
+        <p:random/>
+      </p:transition>
+    </mc:Choice>
+    <mc:Fallback>
+      <p:transition spd="slow">
+        <p:random/>
+      </p:transition>
+    </mc:Fallback>
+  </mc:AlternateContent>
+  <p:timing>
+    <p:tnLst>
+      <p:par>
+        <p:cTn id="1" dur="indefinite" restart="never" nodeType="tmRoot">
+          <p:childTnLst>
+            <p:seq concurrent="1" nextAc="seek">
+              <p:cTn id="2" dur="indefinite" nodeType="mainSeq">
+                <p:childTnLst>
+                  <p:par>
+                    <p:cTn id="3" fill="hold">
+                      <p:stCondLst>
+                        <p:cond delay="indefinite"/>
+                        <p:cond evt="onBegin" delay="0">
+                          <p:tn val="2"/>
+                        </p:cond>
+                      </p:stCondLst>
+                      <p:childTnLst>
+                        <p:par>
+                          <p:cTn id="4" fill="hold">
+                            <p:stCondLst>
+                              <p:cond delay="0"/>
+                            </p:stCondLst>
+                            <p:childTnLst>
+                              <p:par>
+                                <p:cTn id="5" presetID="0" presetClass="entr" presetSubtype="0" fill="hold" nodeType="withEffect">
+                                  <p:stCondLst>
+                                    <p:cond delay="0"/>
+                                  </p:stCondLst>
+                                  <p:iterate type="lt">
+                                    <p:tmPct val="10000"/>
+                                  </p:iterate>
+                                  <p:childTnLst>
+                                    <p:set>
+                                      <p:cBhvr>
+                                        <p:cTn id="6" dur="1" fill="hold">
+                                          <p:stCondLst>
+                                            <p:cond delay="0"/>
+                                          </p:stCondLst>
+                                        </p:cTn>
+                                        <p:tgtEl>
+                                          <p:spTgt spid="2"/>
+                                        </p:tgtEl>
+                                        <p:attrNameLst>
+                                          <p:attrName>style.visibility</p:attrName>
+                                        </p:attrNameLst>
+                                      </p:cBhvr>
+                                      <p:to>
+                                        <p:strVal val="visible"/>
+                                      </p:to>
+                                    </p:set>
+                                    <p:anim to="" calcmode="lin" valueType="num">
+                                      <p:cBhvr>
+                                        <p:cTn id="7" dur="700" fill="hold">
+                                          <p:stCondLst>
+                                            <p:cond delay="0"/>
+                                          </p:stCondLst>
+                                        </p:cTn>
+                                        <p:tgtEl>
+                                          <p:spTgt spid="2"/>
+                                        </p:tgtEl>
+                                        <p:attrNameLst>
+                                          <p:attrName>ppt_x</p:attrName>
+                                        </p:attrNameLst>
+                                      </p:cBhvr>
+                                      <p:tavLst>
+                                        <p:tav tm="0" fmla="#ppt_x-(-#ppt_w/2*cos(ppt_r/180*pi))*((1.5-1.5*$)^2-(1.5-1.5*$)^3)">
+                                          <p:val>
+                                            <p:fltVal val="0"/>
+                                          </p:val>
+                                        </p:tav>
+                                        <p:tav tm="100000">
+                                          <p:val>
+                                            <p:fltVal val="1"/>
+                                          </p:val>
+                                        </p:tav>
+                                      </p:tavLst>
+                                    </p:anim>
+                                    <p:anim to="" calcmode="lin" valueType="num">
+                                      <p:cBhvr>
+                                        <p:cTn id="8" dur="700" fill="hold">
+                                          <p:stCondLst>
+                                            <p:cond delay="0"/>
+                                          </p:stCondLst>
+                                        </p:cTn>
+                                        <p:tgtEl>
+                                          <p:spTgt spid="2"/>
+                                        </p:tgtEl>
+                                        <p:attrNameLst>
+                                          <p:attrName>ppt_y</p:attrName>
+                                        </p:attrNameLst>
+                                      </p:cBhvr>
+                                      <p:tavLst>
+                                        <p:tav tm="0" fmla="#ppt_y+(-#ppt_h/2*cos(ppt_r/180*pi))*((1.5-1.5*$)^2-(1.5-1.5*$)^3)">
+                                          <p:val>
+                                            <p:fltVal val="0"/>
+                                          </p:val>
+                                        </p:tav>
+                                        <p:tav tm="100000">
+                                          <p:val>
+                                            <p:fltVal val="1"/>
+                                          </p:val>
+                                        </p:tav>
+                                      </p:tavLst>
+                                    </p:anim>
+                                    <p:anim to="" calcmode="lin" valueType="num">
+                                      <p:cBhvr>
+                                        <p:cTn id="9" dur="700" fill="hold">
+                                          <p:stCondLst>
+                                            <p:cond delay="0"/>
+                                          </p:stCondLst>
+                                        </p:cTn>
+                                        <p:tgtEl>
+                                          <p:spTgt spid="2"/>
+                                        </p:tgtEl>
+                                        <p:attrNameLst>
+                                          <p:attrName>ppt_h</p:attrName>
+                                        </p:attrNameLst>
+                                      </p:cBhvr>
+                                      <p:tavLst>
+                                        <p:tav tm="0" fmla="#ppt_h-(-#ppt_h)*((1.5-1.5*$)^2-(1.5-1.5*$)^3)">
+                                          <p:val>
+                                            <p:fltVal val="0"/>
+                                          </p:val>
+                                        </p:tav>
+                                        <p:tav tm="100000">
+                                          <p:val>
+                                            <p:fltVal val="1"/>
+                                          </p:val>
+                                        </p:tav>
+                                      </p:tavLst>
+                                    </p:anim>
+                                    <p:anim to="" calcmode="lin" valueType="num">
+                                      <p:cBhvr>
+                                        <p:cTn id="10" dur="700" fill="hold">
+                                          <p:stCondLst>
+                                            <p:cond delay="0"/>
+                                          </p:stCondLst>
+                                        </p:cTn>
+                                        <p:tgtEl>
+                                          <p:spTgt spid="2"/>
+                                        </p:tgtEl>
+                                        <p:attrNameLst>
+                                          <p:attrName>ppt_w</p:attrName>
+                                        </p:attrNameLst>
+                                      </p:cBhvr>
+                                      <p:tavLst>
+                                        <p:tav tm="0" fmla="#ppt_w-(-#ppt_w)*((1.5-1.5*$)^2-(1.5-1.5*$)^3)">
+                                          <p:val>
+                                            <p:fltVal val="0"/>
+                                          </p:val>
+                                        </p:tav>
+                                        <p:tav tm="100000">
+                                          <p:val>
+                                            <p:fltVal val="1"/>
+                                          </p:val>
+                                        </p:tav>
+                                      </p:tavLst>
+                                    </p:anim>
+                                  </p:childTnLst>
+                                </p:cTn>
+                              </p:par>
+                              <p:par>
+                                <p:cTn id="11" presetID="0" presetClass="entr" presetSubtype="0" fill="hold" grpId="0" nodeType="withEffect">
+                                  <p:stCondLst>
+                                    <p:cond delay="0"/>
+                                  </p:stCondLst>
+                                  <p:iterate type="lt">
+                                    <p:tmPct val="10000"/>
+                                  </p:iterate>
+                                  <p:childTnLst>
+                                    <p:set>
+                                      <p:cBhvr>
+                                        <p:cTn id="12" dur="1" fill="hold">
+                                          <p:stCondLst>
+                                            <p:cond delay="0"/>
+                                          </p:stCondLst>
+                                        </p:cTn>
+                                        <p:tgtEl>
+                                          <p:spTgt spid="13"/>
+                                        </p:tgtEl>
+                                        <p:attrNameLst>
+                                          <p:attrName>style.visibility</p:attrName>
+                                        </p:attrNameLst>
+                                      </p:cBhvr>
+                                      <p:to>
+                                        <p:strVal val="visible"/>
+                                      </p:to>
+                                    </p:set>
+                                    <p:anim to="" calcmode="lin" valueType="num">
+                                      <p:cBhvr>
+                                        <p:cTn id="13" dur="700" fill="hold">
+                                          <p:stCondLst>
+                                            <p:cond delay="0"/>
+                                          </p:stCondLst>
+                                        </p:cTn>
+                                        <p:tgtEl>
+                                          <p:spTgt spid="13"/>
+                                        </p:tgtEl>
+                                        <p:attrNameLst>
+                                          <p:attrName>ppt_x</p:attrName>
+                                        </p:attrNameLst>
+                                      </p:cBhvr>
+                                      <p:tavLst>
+                                        <p:tav tm="0" fmla="#ppt_x-(-#ppt_w/2*cos(ppt_r/180*pi))*((1.5-1.5*$)^2-(1.5-1.5*$)^3)">
+                                          <p:val>
+                                            <p:fltVal val="0"/>
+                                          </p:val>
+                                        </p:tav>
+                                        <p:tav tm="100000">
+                                          <p:val>
+                                            <p:fltVal val="1"/>
+                                          </p:val>
+                                        </p:tav>
+                                      </p:tavLst>
+                                    </p:anim>
+                                    <p:anim to="" calcmode="lin" valueType="num">
+                                      <p:cBhvr>
+                                        <p:cTn id="14" dur="700" fill="hold">
+                                          <p:stCondLst>
+                                            <p:cond delay="0"/>
+                                          </p:stCondLst>
+                                        </p:cTn>
+                                        <p:tgtEl>
+                                          <p:spTgt spid="13"/>
+                                        </p:tgtEl>
+                                        <p:attrNameLst>
+                                          <p:attrName>ppt_y</p:attrName>
+                                        </p:attrNameLst>
+                                      </p:cBhvr>
+                                      <p:tavLst>
+                                        <p:tav tm="0" fmla="#ppt_y+(-#ppt_h/2*cos(ppt_r/180*pi))*((1.5-1.5*$)^2-(1.5-1.5*$)^3)">
+                                          <p:val>
+                                            <p:fltVal val="0"/>
+                                          </p:val>
+                                        </p:tav>
+                                        <p:tav tm="100000">
+                                          <p:val>
+                                            <p:fltVal val="1"/>
+                                          </p:val>
+                                        </p:tav>
+                                      </p:tavLst>
+                                    </p:anim>
+                                    <p:anim to="" calcmode="lin" valueType="num">
+                                      <p:cBhvr>
+                                        <p:cTn id="15" dur="700" fill="hold">
+                                          <p:stCondLst>
+                                            <p:cond delay="0"/>
+                                          </p:stCondLst>
+                                        </p:cTn>
+                                        <p:tgtEl>
+                                          <p:spTgt spid="13"/>
+                                        </p:tgtEl>
+                                        <p:attrNameLst>
+                                          <p:attrName>ppt_h</p:attrName>
+                                        </p:attrNameLst>
+                                      </p:cBhvr>
+                                      <p:tavLst>
+                                        <p:tav tm="0" fmla="#ppt_h-(-#ppt_h)*((1.5-1.5*$)^2-(1.5-1.5*$)^3)">
+                                          <p:val>
+                                            <p:fltVal val="0"/>
+                                          </p:val>
+                                        </p:tav>
+                                        <p:tav tm="100000">
+                                          <p:val>
+                                            <p:fltVal val="1"/>
+                                          </p:val>
+                                        </p:tav>
+                                      </p:tavLst>
+                                    </p:anim>
+                                    <p:anim to="" calcmode="lin" valueType="num">
+                                      <p:cBhvr>
+                                        <p:cTn id="16" dur="700" fill="hold">
+                                          <p:stCondLst>
+                                            <p:cond delay="0"/>
+                                          </p:stCondLst>
+                                        </p:cTn>
+                                        <p:tgtEl>
+                                          <p:spTgt spid="13"/>
+                                        </p:tgtEl>
+                                        <p:attrNameLst>
+                                          <p:attrName>ppt_w</p:attrName>
+                                        </p:attrNameLst>
+                                      </p:cBhvr>
+                                      <p:tavLst>
+                                        <p:tav tm="0" fmla="#ppt_w-(-#ppt_w)*((1.5-1.5*$)^2-(1.5-1.5*$)^3)">
+                                          <p:val>
+                                            <p:fltVal val="0"/>
+                                          </p:val>
+                                        </p:tav>
+                                        <p:tav tm="100000">
+                                          <p:val>
+                                            <p:fltVal val="1"/>
+                                          </p:val>
+                                        </p:tav>
+                                      </p:tavLst>
+                                    </p:anim>
+                                  </p:childTnLst>
+                                </p:cTn>
+                              </p:par>
+                            </p:childTnLst>
+                          </p:cTn>
+                        </p:par>
+                      </p:childTnLst>
+                    </p:cTn>
+                  </p:par>
+                </p:childTnLst>
+              </p:cTn>
+              <p:prevCondLst>
+                <p:cond evt="onPrev" delay="0">
+                  <p:tgtEl>
+                    <p:sldTgt/>
+                  </p:tgtEl>
+                </p:cond>
+              </p:prevCondLst>
+              <p:nextCondLst>
+                <p:cond evt="onNext" delay="0">
+                  <p:tgtEl>
+                    <p:sldTgt/>
+                  </p:tgtEl>
+                </p:cond>
+              </p:nextCondLst>
+            </p:seq>
+          </p:childTnLst>
+        </p:cTn>
+      </p:par>
+    </p:tnLst>
+    <p:bldLst>
+      <p:bldP spid="13" grpId="0"/>
+    </p:bldLst>
+  </p:timing>
+</p:sld>
+</file>
+
 <file path=ppt/slides/slide8.xml><?xml version="1.0" encoding="utf-8"?>
 <p:sld xmlns:a="http://schemas.openxmlformats.org/drawingml/2006/main" xmlns:r="http://schemas.openxmlformats.org/officeDocument/2006/relationships" xmlns:p="http://schemas.openxmlformats.org/presentationml/2006/main">
   <p:cSld>
@@ -26283,36 +24406,6 @@
 </file>
 
 <file path=ppt/tags/tag43.xml><?xml version="1.0" encoding="utf-8"?>
-<p:tagLst xmlns:p="http://schemas.openxmlformats.org/presentationml/2006/main">
-  <p:tag name="PA" val="v4.1.3"/>
-</p:tagLst>
-</file>
-
-<file path=ppt/tags/tag44.xml><?xml version="1.0" encoding="utf-8"?>
-<p:tagLst xmlns:p="http://schemas.openxmlformats.org/presentationml/2006/main">
-  <p:tag name="PA" val="v4.1.3"/>
-</p:tagLst>
-</file>
-
-<file path=ppt/tags/tag45.xml><?xml version="1.0" encoding="utf-8"?>
-<p:tagLst xmlns:p="http://schemas.openxmlformats.org/presentationml/2006/main">
-  <p:tag name="PA" val="v4.1.3"/>
-</p:tagLst>
-</file>
-
-<file path=ppt/tags/tag46.xml><?xml version="1.0" encoding="utf-8"?>
-<p:tagLst xmlns:p="http://schemas.openxmlformats.org/presentationml/2006/main">
-  <p:tag name="PA" val="v4.1.3"/>
-</p:tagLst>
-</file>
-
-<file path=ppt/tags/tag47.xml><?xml version="1.0" encoding="utf-8"?>
-<p:tagLst xmlns:p="http://schemas.openxmlformats.org/presentationml/2006/main">
-  <p:tag name="PA" val="v4.1.3"/>
-</p:tagLst>
-</file>
-
-<file path=ppt/tags/tag48.xml><?xml version="1.0" encoding="utf-8"?>
 <p:tagLst xmlns:p="http://schemas.openxmlformats.org/presentationml/2006/main">
   <p:tag name="PA" val="v4.1.3"/>
 </p:tagLst>

--- a/pre/javapoet.pptx
+++ b/pre/javapoet.pptx
@@ -15,8 +15,8 @@
     <p:sldId id="563" r:id="rId8"/>
     <p:sldId id="720" r:id="rId9"/>
     <p:sldId id="619" r:id="rId10"/>
-    <p:sldId id="721" r:id="rId11"/>
-    <p:sldId id="719" r:id="rId12"/>
+    <p:sldId id="719" r:id="rId11"/>
+    <p:sldId id="721" r:id="rId12"/>
     <p:sldId id="718" r:id="rId13"/>
     <p:sldId id="717" r:id="rId14"/>
     <p:sldId id="715" r:id="rId15"/>
@@ -22186,7 +22186,7 @@
                 <a:latin typeface="微软雅黑" panose="020B0503020204020204" pitchFamily="34" charset="-122"/>
                 <a:ea typeface="微软雅黑" panose="020B0503020204020204" pitchFamily="34" charset="-122"/>
               </a:rPr>
-              <a:t>代码中的元素结构</a:t>
+              <a:t>使用APT来处理annotation的流程</a:t>
             </a:r>
             <a:endParaRPr lang="zh-CN" altLang="en-US" sz="2665" dirty="0" smtClean="0">
               <a:solidFill>
@@ -22226,9 +22226,59 @@
           </a:ln>
         </p:spPr>
       </p:cxnSp>
+      <p:sp>
+        <p:nvSpPr>
+          <p:cNvPr id="3" name="文本框 2"/>
+          <p:cNvSpPr txBox="1"/>
+          <p:nvPr/>
+        </p:nvSpPr>
+        <p:spPr>
+          <a:xfrm>
+            <a:off x="328295" y="1496060"/>
+            <a:ext cx="4083685" cy="1476375"/>
+          </a:xfrm>
+          <a:prstGeom prst="rect">
+            <a:avLst/>
+          </a:prstGeom>
+          <a:noFill/>
+        </p:spPr>
+        <p:txBody>
+          <a:bodyPr wrap="square" rtlCol="0" anchor="t">
+            <a:spAutoFit/>
+          </a:bodyPr>
+          <a:p>
+            <a:r>
+              <a:rPr lang="zh-CN" altLang="en-US"/>
+              <a:t>1. 定义注解（如@automain） </a:t>
+            </a:r>
+            <a:endParaRPr lang="zh-CN" altLang="en-US"/>
+          </a:p>
+          <a:p>
+            <a:r>
+              <a:rPr lang="zh-CN" altLang="en-US"/>
+              <a:t>2. 定义注解处理器，自定义需要生成代码 </a:t>
+            </a:r>
+            <a:endParaRPr lang="zh-CN" altLang="en-US"/>
+          </a:p>
+          <a:p>
+            <a:r>
+              <a:rPr lang="zh-CN" altLang="en-US"/>
+              <a:t>3.使用处理器 </a:t>
+            </a:r>
+            <a:endParaRPr lang="zh-CN" altLang="en-US"/>
+          </a:p>
+          <a:p>
+            <a:r>
+              <a:rPr lang="zh-CN" altLang="en-US"/>
+              <a:t>4.APT自动完成如下工作</a:t>
+            </a:r>
+            <a:endParaRPr lang="zh-CN" altLang="en-US"/>
+          </a:p>
+        </p:txBody>
+      </p:sp>
       <p:pic>
         <p:nvPicPr>
-          <p:cNvPr id="3" name="图片 2" descr="A%SJBI5U(7}KORS%G%~1TQ3"/>
+          <p:cNvPr id="4" name="图片 3"/>
           <p:cNvPicPr>
             <a:picLocks noChangeAspect="1"/>
           </p:cNvPicPr>
@@ -22242,47 +22292,14 @@
         </p:blipFill>
         <p:spPr>
           <a:xfrm>
-            <a:off x="2411095" y="1630680"/>
-            <a:ext cx="7790180" cy="2419350"/>
+            <a:off x="5565140" y="1232535"/>
+            <a:ext cx="5714365" cy="3447415"/>
           </a:xfrm>
           <a:prstGeom prst="rect">
             <a:avLst/>
           </a:prstGeom>
         </p:spPr>
       </p:pic>
-      <p:sp>
-        <p:nvSpPr>
-          <p:cNvPr id="4" name="文本框 3"/>
-          <p:cNvSpPr txBox="1"/>
-          <p:nvPr/>
-        </p:nvSpPr>
-        <p:spPr>
-          <a:xfrm>
-            <a:off x="2411095" y="4789170"/>
-            <a:ext cx="9007475" cy="645160"/>
-          </a:xfrm>
-          <a:prstGeom prst="rect">
-            <a:avLst/>
-          </a:prstGeom>
-          <a:noFill/>
-        </p:spPr>
-        <p:txBody>
-          <a:bodyPr wrap="square" rtlCol="0" anchor="t">
-            <a:spAutoFit/>
-          </a:bodyPr>
-          <a:p>
-            <a:r>
-              <a:rPr lang="en-US" altLang="zh-CN"/>
-              <a:t>API</a:t>
-            </a:r>
-            <a:r>
-              <a:rPr lang="zh-CN" altLang="en-US"/>
-              <a:t>文档地址：http://tool.oschina.net/uploads/apidocs/jdk-zh/javax/lang/model/element/Element.html</a:t>
-            </a:r>
-            <a:endParaRPr lang="zh-CN" altLang="en-US"/>
-          </a:p>
-        </p:txBody>
-      </p:sp>
     </p:spTree>
   </p:cSld>
   <p:clrMapOvr>
@@ -22936,7 +22953,7 @@
                 <a:latin typeface="微软雅黑" panose="020B0503020204020204" pitchFamily="34" charset="-122"/>
                 <a:ea typeface="微软雅黑" panose="020B0503020204020204" pitchFamily="34" charset="-122"/>
               </a:rPr>
-              <a:t>使用APT来处理annotation的流程</a:t>
+              <a:t>代码中的元素结构</a:t>
             </a:r>
             <a:endParaRPr lang="zh-CN" altLang="en-US" sz="2665" dirty="0" smtClean="0">
               <a:solidFill>
@@ -22976,59 +22993,9 @@
           </a:ln>
         </p:spPr>
       </p:cxnSp>
-      <p:sp>
-        <p:nvSpPr>
-          <p:cNvPr id="3" name="文本框 2"/>
-          <p:cNvSpPr txBox="1"/>
-          <p:nvPr/>
-        </p:nvSpPr>
-        <p:spPr>
-          <a:xfrm>
-            <a:off x="328295" y="1496060"/>
-            <a:ext cx="4083685" cy="1476375"/>
-          </a:xfrm>
-          <a:prstGeom prst="rect">
-            <a:avLst/>
-          </a:prstGeom>
-          <a:noFill/>
-        </p:spPr>
-        <p:txBody>
-          <a:bodyPr wrap="square" rtlCol="0" anchor="t">
-            <a:spAutoFit/>
-          </a:bodyPr>
-          <a:p>
-            <a:r>
-              <a:rPr lang="zh-CN" altLang="en-US"/>
-              <a:t>1. 定义注解（如@automain） </a:t>
-            </a:r>
-            <a:endParaRPr lang="zh-CN" altLang="en-US"/>
-          </a:p>
-          <a:p>
-            <a:r>
-              <a:rPr lang="zh-CN" altLang="en-US"/>
-              <a:t>2. 定义注解处理器，自定义需要生成代码 </a:t>
-            </a:r>
-            <a:endParaRPr lang="zh-CN" altLang="en-US"/>
-          </a:p>
-          <a:p>
-            <a:r>
-              <a:rPr lang="zh-CN" altLang="en-US"/>
-              <a:t>3.使用处理器 </a:t>
-            </a:r>
-            <a:endParaRPr lang="zh-CN" altLang="en-US"/>
-          </a:p>
-          <a:p>
-            <a:r>
-              <a:rPr lang="zh-CN" altLang="en-US"/>
-              <a:t>4.APT自动完成如下工作</a:t>
-            </a:r>
-            <a:endParaRPr lang="zh-CN" altLang="en-US"/>
-          </a:p>
-        </p:txBody>
-      </p:sp>
       <p:pic>
         <p:nvPicPr>
-          <p:cNvPr id="4" name="图片 3"/>
+          <p:cNvPr id="3" name="图片 2" descr="A%SJBI5U(7}KORS%G%~1TQ3"/>
           <p:cNvPicPr>
             <a:picLocks noChangeAspect="1"/>
           </p:cNvPicPr>
@@ -23042,14 +23009,47 @@
         </p:blipFill>
         <p:spPr>
           <a:xfrm>
-            <a:off x="5565140" y="1232535"/>
-            <a:ext cx="5714365" cy="3447415"/>
+            <a:off x="2411095" y="1630680"/>
+            <a:ext cx="7790180" cy="2419350"/>
           </a:xfrm>
           <a:prstGeom prst="rect">
             <a:avLst/>
           </a:prstGeom>
         </p:spPr>
       </p:pic>
+      <p:sp>
+        <p:nvSpPr>
+          <p:cNvPr id="4" name="文本框 3"/>
+          <p:cNvSpPr txBox="1"/>
+          <p:nvPr/>
+        </p:nvSpPr>
+        <p:spPr>
+          <a:xfrm>
+            <a:off x="2411095" y="4789170"/>
+            <a:ext cx="9007475" cy="645160"/>
+          </a:xfrm>
+          <a:prstGeom prst="rect">
+            <a:avLst/>
+          </a:prstGeom>
+          <a:noFill/>
+        </p:spPr>
+        <p:txBody>
+          <a:bodyPr wrap="square" rtlCol="0" anchor="t">
+            <a:spAutoFit/>
+          </a:bodyPr>
+          <a:p>
+            <a:r>
+              <a:rPr lang="en-US" altLang="zh-CN"/>
+              <a:t>API</a:t>
+            </a:r>
+            <a:r>
+              <a:rPr lang="zh-CN" altLang="en-US"/>
+              <a:t>文档地址：http://tool.oschina.net/uploads/apidocs/jdk-zh/javax/lang/model/element/Element.html</a:t>
+            </a:r>
+            <a:endParaRPr lang="zh-CN" altLang="en-US"/>
+          </a:p>
+        </p:txBody>
+      </p:sp>
     </p:spTree>
   </p:cSld>
   <p:clrMapOvr>

--- a/pre/javapoet.pptx
+++ b/pre/javapoet.pptx
@@ -1437,7 +1437,7 @@
         <p:spPr bwMode="auto">
           <a:xfrm>
             <a:off x="8286750" y="6411205"/>
-            <a:ext cx="3832225" cy="369888"/>
+            <a:ext cx="3832225" cy="368300"/>
           </a:xfrm>
           <a:prstGeom prst="rect">
             <a:avLst/>
@@ -1593,9 +1593,9 @@
             </a:r>
             <a:r>
               <a:rPr lang="en-US" altLang="zh-CN" smtClean="0"/>
-              <a:t>684504192</a:t>
+              <a:t>921908169</a:t>
             </a:r>
-            <a:endParaRPr lang="zh-CN" altLang="en-US" smtClean="0"/>
+            <a:endParaRPr lang="en-US" altLang="zh-CN" smtClean="0"/>
           </a:p>
         </p:txBody>
       </p:sp>
@@ -21475,7 +21475,6 @@
             </a:r>
             <a:r>
               <a:rPr lang="en-US" altLang="zh-CN">
-                <a:ln/>
                 <a:solidFill>
                   <a:schemeClr val="accent1"/>
                 </a:solidFill>
